--- a/sql-in-azure-containers/presentation/sql-in-azure-containers.pptx
+++ b/sql-in-azure-containers/presentation/sql-in-azure-containers.pptx
@@ -5,12 +5,13 @@
     <p:sldMasterId id="2147483648" r:id="rId4"/>
   </p:sldMasterIdLst>
   <p:notesMasterIdLst>
-    <p:notesMasterId r:id="rId8"/>
+    <p:notesMasterId r:id="rId9"/>
   </p:notesMasterIdLst>
   <p:sldIdLst>
     <p:sldId id="260" r:id="rId5"/>
     <p:sldId id="281" r:id="rId6"/>
-    <p:sldId id="274" r:id="rId7"/>
+    <p:sldId id="282" r:id="rId7"/>
+    <p:sldId id="274" r:id="rId8"/>
   </p:sldIdLst>
   <p:sldSz cx="12192000" cy="6858000"/>
   <p:notesSz cx="6858000" cy="9144000"/>
@@ -202,7 +203,7 @@
           <a:p>
             <a:fld id="{896D3B2D-3924-0B48-B558-93C031AA9A06}" type="datetimeFigureOut">
               <a:rPr lang="en-US" smtClean="0"/>
-              <a:t>10/27/2022</a:t>
+              <a:t>10/31/2022</a:t>
             </a:fld>
             <a:endParaRPr lang="en-US"/>
           </a:p>
@@ -662,7 +663,7 @@
             <a:fld id="{B61BEF0D-F0BB-DE4B-95CE-6DB70DBA9567}" type="datetimeFigureOut">
               <a:rPr lang="en-US"/>
               <a:pPr/>
-              <a:t>10/27/2022</a:t>
+              <a:t>10/31/2022</a:t>
             </a:fld>
             <a:endParaRPr lang="en-US"/>
           </a:p>
@@ -946,7 +947,7 @@
             <a:fld id="{B61BEF0D-F0BB-DE4B-95CE-6DB70DBA9567}" type="datetimeFigureOut">
               <a:rPr lang="en-US"/>
               <a:pPr/>
-              <a:t>10/27/2022</a:t>
+              <a:t>10/31/2022</a:t>
             </a:fld>
             <a:endParaRPr lang="en-US"/>
           </a:p>
@@ -1257,7 +1258,7 @@
             <a:fld id="{B61BEF0D-F0BB-DE4B-95CE-6DB70DBA9567}" type="datetimeFigureOut">
               <a:rPr lang="en-US"/>
               <a:pPr/>
-              <a:t>10/27/2022</a:t>
+              <a:t>10/31/2022</a:t>
             </a:fld>
             <a:endParaRPr lang="en-US"/>
           </a:p>
@@ -1595,7 +1596,7 @@
             <a:fld id="{B61BEF0D-F0BB-DE4B-95CE-6DB70DBA9567}" type="datetimeFigureOut">
               <a:rPr lang="en-US"/>
               <a:pPr/>
-              <a:t>10/27/2022</a:t>
+              <a:t>10/31/2022</a:t>
             </a:fld>
             <a:endParaRPr lang="en-US"/>
           </a:p>
@@ -1906,7 +1907,7 @@
             <a:fld id="{B61BEF0D-F0BB-DE4B-95CE-6DB70DBA9567}" type="datetimeFigureOut">
               <a:rPr lang="en-US"/>
               <a:pPr/>
-              <a:t>10/27/2022</a:t>
+              <a:t>10/31/2022</a:t>
             </a:fld>
             <a:endParaRPr lang="en-US"/>
           </a:p>
@@ -2296,7 +2297,7 @@
             <a:fld id="{B61BEF0D-F0BB-DE4B-95CE-6DB70DBA9567}" type="datetimeFigureOut">
               <a:rPr lang="en-US"/>
               <a:pPr/>
-              <a:t>10/27/2022</a:t>
+              <a:t>10/31/2022</a:t>
             </a:fld>
             <a:endParaRPr lang="en-US"/>
           </a:p>
@@ -2462,7 +2463,7 @@
           <a:p>
             <a:fld id="{55C6B4A9-1611-4792-9094-5F34BCA07E0B}" type="datetimeFigureOut">
               <a:rPr lang="en-US"/>
-              <a:t>10/27/2022</a:t>
+              <a:t>10/31/2022</a:t>
             </a:fld>
             <a:endParaRPr lang="en-US"/>
           </a:p>
@@ -2638,7 +2639,7 @@
             <a:fld id="{B61BEF0D-F0BB-DE4B-95CE-6DB70DBA9567}" type="datetimeFigureOut">
               <a:rPr lang="en-US"/>
               <a:pPr/>
-              <a:t>10/27/2022</a:t>
+              <a:t>10/31/2022</a:t>
             </a:fld>
             <a:endParaRPr lang="en-US"/>
           </a:p>
@@ -2811,7 +2812,7 @@
             <a:fld id="{B61BEF0D-F0BB-DE4B-95CE-6DB70DBA9567}" type="datetimeFigureOut">
               <a:rPr lang="en-US"/>
               <a:pPr/>
-              <a:t>10/27/2022</a:t>
+              <a:t>10/31/2022</a:t>
             </a:fld>
             <a:endParaRPr lang="en-US"/>
           </a:p>
@@ -3055,7 +3056,7 @@
             <a:fld id="{B61BEF0D-F0BB-DE4B-95CE-6DB70DBA9567}" type="datetimeFigureOut">
               <a:rPr lang="en-US"/>
               <a:pPr/>
-              <a:t>10/27/2022</a:t>
+              <a:t>10/31/2022</a:t>
             </a:fld>
             <a:endParaRPr lang="en-US"/>
           </a:p>
@@ -3283,7 +3284,7 @@
           <a:p>
             <a:fld id="{EB712588-04B1-427B-82EE-E8DB90309F08}" type="datetimeFigureOut">
               <a:rPr lang="en-US"/>
-              <a:t>10/27/2022</a:t>
+              <a:t>10/31/2022</a:t>
             </a:fld>
             <a:endParaRPr lang="en-US"/>
           </a:p>
@@ -3653,7 +3654,7 @@
             <a:fld id="{B61BEF0D-F0BB-DE4B-95CE-6DB70DBA9567}" type="datetimeFigureOut">
               <a:rPr lang="en-US"/>
               <a:pPr/>
-              <a:t>10/27/2022</a:t>
+              <a:t>10/31/2022</a:t>
             </a:fld>
             <a:endParaRPr lang="en-US"/>
           </a:p>
@@ -3773,7 +3774,7 @@
             <a:fld id="{B61BEF0D-F0BB-DE4B-95CE-6DB70DBA9567}" type="datetimeFigureOut">
               <a:rPr lang="en-US"/>
               <a:pPr/>
-              <a:t>10/27/2022</a:t>
+              <a:t>10/31/2022</a:t>
             </a:fld>
             <a:endParaRPr lang="en-US"/>
           </a:p>
@@ -3865,7 +3866,7 @@
             <a:fld id="{B61BEF0D-F0BB-DE4B-95CE-6DB70DBA9567}" type="datetimeFigureOut">
               <a:rPr lang="en-US"/>
               <a:pPr/>
-              <a:t>10/27/2022</a:t>
+              <a:t>10/31/2022</a:t>
             </a:fld>
             <a:endParaRPr lang="en-US"/>
           </a:p>
@@ -4116,7 +4117,7 @@
           <a:p>
             <a:fld id="{42A54C80-263E-416B-A8E0-580EDEADCBDC}" type="datetimeFigureOut">
               <a:rPr lang="en-US"/>
-              <a:t>10/27/2022</a:t>
+              <a:t>10/31/2022</a:t>
             </a:fld>
             <a:endParaRPr lang="en-US"/>
           </a:p>
@@ -4375,7 +4376,7 @@
             <a:fld id="{B61BEF0D-F0BB-DE4B-95CE-6DB70DBA9567}" type="datetimeFigureOut">
               <a:rPr lang="en-US"/>
               <a:pPr/>
-              <a:t>10/27/2022</a:t>
+              <a:t>10/31/2022</a:t>
             </a:fld>
             <a:endParaRPr lang="en-US"/>
           </a:p>
@@ -4600,7 +4601,7 @@
             <a:fld id="{B61BEF0D-F0BB-DE4B-95CE-6DB70DBA9567}" type="datetimeFigureOut">
               <a:rPr lang="en-US"/>
               <a:pPr/>
-              <a:t>10/27/2022</a:t>
+              <a:t>10/31/2022</a:t>
             </a:fld>
             <a:endParaRPr lang="en-US"/>
           </a:p>
@@ -5455,6 +5456,96 @@
 </file>
 
 <file path=ppt/slides/slide3.xml><?xml version="1.0" encoding="utf-8"?>
+<p:sld xmlns:a="http://schemas.openxmlformats.org/drawingml/2006/main" xmlns:r="http://schemas.openxmlformats.org/officeDocument/2006/relationships" xmlns:p="http://schemas.openxmlformats.org/presentationml/2006/main">
+  <p:cSld>
+    <p:spTree>
+      <p:nvGrpSpPr>
+        <p:cNvPr id="1" name=""/>
+        <p:cNvGrpSpPr/>
+        <p:nvPr/>
+      </p:nvGrpSpPr>
+      <p:grpSpPr>
+        <a:xfrm>
+          <a:off x="0" y="0"/>
+          <a:ext cx="0" cy="0"/>
+          <a:chOff x="0" y="0"/>
+          <a:chExt cx="0" cy="0"/>
+        </a:xfrm>
+      </p:grpSpPr>
+      <p:pic>
+        <p:nvPicPr>
+          <p:cNvPr id="5" name="Picture 4">
+            <a:extLst>
+              <a:ext uri="{FF2B5EF4-FFF2-40B4-BE49-F238E27FC236}">
+                <a16:creationId xmlns:a16="http://schemas.microsoft.com/office/drawing/2014/main" id="{1DF6B452-C12F-7B92-5DE3-740DEC8FC9DC}"/>
+              </a:ext>
+            </a:extLst>
+          </p:cNvPr>
+          <p:cNvPicPr>
+            <a:picLocks noChangeAspect="1"/>
+          </p:cNvPicPr>
+          <p:nvPr/>
+        </p:nvPicPr>
+        <p:blipFill>
+          <a:blip r:embed="rId2"/>
+          <a:stretch>
+            <a:fillRect/>
+          </a:stretch>
+        </p:blipFill>
+        <p:spPr>
+          <a:xfrm>
+            <a:off x="0" y="0"/>
+            <a:ext cx="7347328" cy="3505380"/>
+          </a:xfrm>
+          <a:prstGeom prst="rect">
+            <a:avLst/>
+          </a:prstGeom>
+        </p:spPr>
+      </p:pic>
+      <p:pic>
+        <p:nvPicPr>
+          <p:cNvPr id="7" name="Picture 6">
+            <a:extLst>
+              <a:ext uri="{FF2B5EF4-FFF2-40B4-BE49-F238E27FC236}">
+                <a16:creationId xmlns:a16="http://schemas.microsoft.com/office/drawing/2014/main" id="{4982A195-B465-B3D9-3E64-2E83F57DC23C}"/>
+              </a:ext>
+            </a:extLst>
+          </p:cNvPr>
+          <p:cNvPicPr>
+            <a:picLocks noChangeAspect="1"/>
+          </p:cNvPicPr>
+          <p:nvPr/>
+        </p:nvPicPr>
+        <p:blipFill>
+          <a:blip r:embed="rId3"/>
+          <a:stretch>
+            <a:fillRect/>
+          </a:stretch>
+        </p:blipFill>
+        <p:spPr>
+          <a:xfrm>
+            <a:off x="1414094" y="2969748"/>
+            <a:ext cx="9363811" cy="1876572"/>
+          </a:xfrm>
+          <a:prstGeom prst="rect">
+            <a:avLst/>
+          </a:prstGeom>
+        </p:spPr>
+      </p:pic>
+    </p:spTree>
+    <p:extLst>
+      <p:ext uri="{BB962C8B-B14F-4D97-AF65-F5344CB8AC3E}">
+        <p14:creationId xmlns:p14="http://schemas.microsoft.com/office/powerpoint/2010/main" val="4079123082"/>
+      </p:ext>
+    </p:extLst>
+  </p:cSld>
+  <p:clrMapOvr>
+    <a:masterClrMapping/>
+  </p:clrMapOvr>
+</p:sld>
+</file>
+
+<file path=ppt/slides/slide4.xml><?xml version="1.0" encoding="utf-8"?>
 <p:sld xmlns:a="http://schemas.openxmlformats.org/drawingml/2006/main" xmlns:r="http://schemas.openxmlformats.org/officeDocument/2006/relationships" xmlns:p="http://schemas.openxmlformats.org/presentationml/2006/main">
   <p:cSld>
     <p:spTree>
@@ -6152,6 +6243,12 @@
 </file>
 
 <file path=customXml/item1.xml><?xml version="1.0" encoding="utf-8"?>
+<p:properties xmlns:p="http://schemas.microsoft.com/office/2006/metadata/properties" xmlns:xsi="http://www.w3.org/2001/XMLSchema-instance" xmlns:pc="http://schemas.microsoft.com/office/infopath/2007/PartnerControls">
+  <documentManagement/>
+</p:properties>
+</file>
+
+<file path=customXml/item2.xml><?xml version="1.0" encoding="utf-8"?>
 <ct:contentTypeSchema xmlns:ct="http://schemas.microsoft.com/office/2006/metadata/contentType" xmlns:ma="http://schemas.microsoft.com/office/2006/metadata/properties/metaAttributes" ct:_="" ma:_="" ma:contentTypeName="Document" ma:contentTypeID="0x010100BE9DF362DDD05A45B86D781376AAC476" ma:contentTypeVersion="7" ma:contentTypeDescription="Create a new document." ma:contentTypeScope="" ma:versionID="3a57987203f074c548de98d113b4286b">
   <xsd:schema xmlns:xsd="http://www.w3.org/2001/XMLSchema" xmlns:xs="http://www.w3.org/2001/XMLSchema" xmlns:p="http://schemas.microsoft.com/office/2006/metadata/properties" xmlns:ns2="d199752a-3aa5-47db-8ae7-beef1561cea0" targetNamespace="http://schemas.microsoft.com/office/2006/metadata/properties" ma:root="true" ma:fieldsID="70b53b01044eee4a42e00434b4075c16" ns2:_="">
     <xsd:import namespace="d199752a-3aa5-47db-8ae7-beef1561cea0"/>
@@ -6315,12 +6412,6 @@
 </ct:contentTypeSchema>
 </file>
 
-<file path=customXml/item2.xml><?xml version="1.0" encoding="utf-8"?>
-<p:properties xmlns:p="http://schemas.microsoft.com/office/2006/metadata/properties" xmlns:xsi="http://www.w3.org/2001/XMLSchema-instance" xmlns:pc="http://schemas.microsoft.com/office/infopath/2007/PartnerControls">
-  <documentManagement/>
-</p:properties>
-</file>
-
 <file path=customXml/item3.xml><?xml version="1.0" encoding="utf-8"?>
 <?mso-contentType ?>
 <FormTemplates xmlns="http://schemas.microsoft.com/sharepoint/v3/contenttype/forms">
@@ -6331,6 +6422,15 @@
 </file>
 
 <file path=customXml/itemProps1.xml><?xml version="1.0" encoding="utf-8"?>
+<ds:datastoreItem xmlns:ds="http://schemas.openxmlformats.org/officeDocument/2006/customXml" ds:itemID="{A5AA9653-386D-4377-A986-DC4A02C60CD5}">
+  <ds:schemaRefs>
+    <ds:schemaRef ds:uri="http://schemas.microsoft.com/office/2006/metadata/properties"/>
+    <ds:schemaRef ds:uri="http://schemas.microsoft.com/office/infopath/2007/PartnerControls"/>
+  </ds:schemaRefs>
+</ds:datastoreItem>
+</file>
+
+<file path=customXml/itemProps2.xml><?xml version="1.0" encoding="utf-8"?>
 <ds:datastoreItem xmlns:ds="http://schemas.openxmlformats.org/officeDocument/2006/customXml" ds:itemID="{876C713D-8D2B-492D-A52A-375696712CF8}">
   <ds:schemaRefs>
     <ds:schemaRef ds:uri="http://schemas.microsoft.com/office/2006/metadata/contentType"/>
@@ -6348,15 +6448,6 @@
 </ds:datastoreItem>
 </file>
 
-<file path=customXml/itemProps2.xml><?xml version="1.0" encoding="utf-8"?>
-<ds:datastoreItem xmlns:ds="http://schemas.openxmlformats.org/officeDocument/2006/customXml" ds:itemID="{A5AA9653-386D-4377-A986-DC4A02C60CD5}">
-  <ds:schemaRefs>
-    <ds:schemaRef ds:uri="http://schemas.microsoft.com/office/2006/metadata/properties"/>
-    <ds:schemaRef ds:uri="http://schemas.microsoft.com/office/infopath/2007/PartnerControls"/>
-  </ds:schemaRefs>
-</ds:datastoreItem>
-</file>
-
 <file path=customXml/itemProps3.xml><?xml version="1.0" encoding="utf-8"?>
 <ds:datastoreItem xmlns:ds="http://schemas.openxmlformats.org/officeDocument/2006/customXml" ds:itemID="{C542A527-91EE-49D6-AF42-393E29B98637}">
   <ds:schemaRefs>

--- a/sql-in-azure-containers/presentation/sql-in-azure-containers.pptx
+++ b/sql-in-azure-containers/presentation/sql-in-azure-containers.pptx
@@ -5,13 +5,20 @@
     <p:sldMasterId id="2147483648" r:id="rId4"/>
   </p:sldMasterIdLst>
   <p:notesMasterIdLst>
-    <p:notesMasterId r:id="rId9"/>
+    <p:notesMasterId r:id="rId16"/>
   </p:notesMasterIdLst>
   <p:sldIdLst>
     <p:sldId id="260" r:id="rId5"/>
-    <p:sldId id="281" r:id="rId6"/>
-    <p:sldId id="282" r:id="rId7"/>
-    <p:sldId id="274" r:id="rId8"/>
+    <p:sldId id="282" r:id="rId6"/>
+    <p:sldId id="283" r:id="rId7"/>
+    <p:sldId id="284" r:id="rId8"/>
+    <p:sldId id="285" r:id="rId9"/>
+    <p:sldId id="274" r:id="rId10"/>
+    <p:sldId id="286" r:id="rId11"/>
+    <p:sldId id="287" r:id="rId12"/>
+    <p:sldId id="288" r:id="rId13"/>
+    <p:sldId id="289" r:id="rId14"/>
+    <p:sldId id="290" r:id="rId15"/>
   </p:sldIdLst>
   <p:sldSz cx="12192000" cy="6858000"/>
   <p:notesSz cx="6858000" cy="9144000"/>
@@ -203,7 +210,7 @@
           <a:p>
             <a:fld id="{896D3B2D-3924-0B48-B558-93C031AA9A06}" type="datetimeFigureOut">
               <a:rPr lang="en-US" smtClean="0"/>
-              <a:t>10/31/2022</a:t>
+              <a:t>8/26/2023</a:t>
             </a:fld>
             <a:endParaRPr lang="en-US"/>
           </a:p>
@@ -663,7 +670,7 @@
             <a:fld id="{B61BEF0D-F0BB-DE4B-95CE-6DB70DBA9567}" type="datetimeFigureOut">
               <a:rPr lang="en-US"/>
               <a:pPr/>
-              <a:t>10/31/2022</a:t>
+              <a:t>8/26/2023</a:t>
             </a:fld>
             <a:endParaRPr lang="en-US"/>
           </a:p>
@@ -947,7 +954,7 @@
             <a:fld id="{B61BEF0D-F0BB-DE4B-95CE-6DB70DBA9567}" type="datetimeFigureOut">
               <a:rPr lang="en-US"/>
               <a:pPr/>
-              <a:t>10/31/2022</a:t>
+              <a:t>8/26/2023</a:t>
             </a:fld>
             <a:endParaRPr lang="en-US"/>
           </a:p>
@@ -1258,7 +1265,7 @@
             <a:fld id="{B61BEF0D-F0BB-DE4B-95CE-6DB70DBA9567}" type="datetimeFigureOut">
               <a:rPr lang="en-US"/>
               <a:pPr/>
-              <a:t>10/31/2022</a:t>
+              <a:t>8/26/2023</a:t>
             </a:fld>
             <a:endParaRPr lang="en-US"/>
           </a:p>
@@ -1596,7 +1603,7 @@
             <a:fld id="{B61BEF0D-F0BB-DE4B-95CE-6DB70DBA9567}" type="datetimeFigureOut">
               <a:rPr lang="en-US"/>
               <a:pPr/>
-              <a:t>10/31/2022</a:t>
+              <a:t>8/26/2023</a:t>
             </a:fld>
             <a:endParaRPr lang="en-US"/>
           </a:p>
@@ -1907,7 +1914,7 @@
             <a:fld id="{B61BEF0D-F0BB-DE4B-95CE-6DB70DBA9567}" type="datetimeFigureOut">
               <a:rPr lang="en-US"/>
               <a:pPr/>
-              <a:t>10/31/2022</a:t>
+              <a:t>8/26/2023</a:t>
             </a:fld>
             <a:endParaRPr lang="en-US"/>
           </a:p>
@@ -2297,7 +2304,7 @@
             <a:fld id="{B61BEF0D-F0BB-DE4B-95CE-6DB70DBA9567}" type="datetimeFigureOut">
               <a:rPr lang="en-US"/>
               <a:pPr/>
-              <a:t>10/31/2022</a:t>
+              <a:t>8/26/2023</a:t>
             </a:fld>
             <a:endParaRPr lang="en-US"/>
           </a:p>
@@ -2463,7 +2470,7 @@
           <a:p>
             <a:fld id="{55C6B4A9-1611-4792-9094-5F34BCA07E0B}" type="datetimeFigureOut">
               <a:rPr lang="en-US"/>
-              <a:t>10/31/2022</a:t>
+              <a:t>8/26/2023</a:t>
             </a:fld>
             <a:endParaRPr lang="en-US"/>
           </a:p>
@@ -2639,7 +2646,7 @@
             <a:fld id="{B61BEF0D-F0BB-DE4B-95CE-6DB70DBA9567}" type="datetimeFigureOut">
               <a:rPr lang="en-US"/>
               <a:pPr/>
-              <a:t>10/31/2022</a:t>
+              <a:t>8/26/2023</a:t>
             </a:fld>
             <a:endParaRPr lang="en-US"/>
           </a:p>
@@ -2812,7 +2819,7 @@
             <a:fld id="{B61BEF0D-F0BB-DE4B-95CE-6DB70DBA9567}" type="datetimeFigureOut">
               <a:rPr lang="en-US"/>
               <a:pPr/>
-              <a:t>10/31/2022</a:t>
+              <a:t>8/26/2023</a:t>
             </a:fld>
             <a:endParaRPr lang="en-US"/>
           </a:p>
@@ -3056,7 +3063,7 @@
             <a:fld id="{B61BEF0D-F0BB-DE4B-95CE-6DB70DBA9567}" type="datetimeFigureOut">
               <a:rPr lang="en-US"/>
               <a:pPr/>
-              <a:t>10/31/2022</a:t>
+              <a:t>8/26/2023</a:t>
             </a:fld>
             <a:endParaRPr lang="en-US"/>
           </a:p>
@@ -3284,7 +3291,7 @@
           <a:p>
             <a:fld id="{EB712588-04B1-427B-82EE-E8DB90309F08}" type="datetimeFigureOut">
               <a:rPr lang="en-US"/>
-              <a:t>10/31/2022</a:t>
+              <a:t>8/26/2023</a:t>
             </a:fld>
             <a:endParaRPr lang="en-US"/>
           </a:p>
@@ -3654,7 +3661,7 @@
             <a:fld id="{B61BEF0D-F0BB-DE4B-95CE-6DB70DBA9567}" type="datetimeFigureOut">
               <a:rPr lang="en-US"/>
               <a:pPr/>
-              <a:t>10/31/2022</a:t>
+              <a:t>8/26/2023</a:t>
             </a:fld>
             <a:endParaRPr lang="en-US"/>
           </a:p>
@@ -3774,7 +3781,7 @@
             <a:fld id="{B61BEF0D-F0BB-DE4B-95CE-6DB70DBA9567}" type="datetimeFigureOut">
               <a:rPr lang="en-US"/>
               <a:pPr/>
-              <a:t>10/31/2022</a:t>
+              <a:t>8/26/2023</a:t>
             </a:fld>
             <a:endParaRPr lang="en-US"/>
           </a:p>
@@ -3866,7 +3873,7 @@
             <a:fld id="{B61BEF0D-F0BB-DE4B-95CE-6DB70DBA9567}" type="datetimeFigureOut">
               <a:rPr lang="en-US"/>
               <a:pPr/>
-              <a:t>10/31/2022</a:t>
+              <a:t>8/26/2023</a:t>
             </a:fld>
             <a:endParaRPr lang="en-US"/>
           </a:p>
@@ -4117,7 +4124,7 @@
           <a:p>
             <a:fld id="{42A54C80-263E-416B-A8E0-580EDEADCBDC}" type="datetimeFigureOut">
               <a:rPr lang="en-US"/>
-              <a:t>10/31/2022</a:t>
+              <a:t>8/26/2023</a:t>
             </a:fld>
             <a:endParaRPr lang="en-US"/>
           </a:p>
@@ -4376,7 +4383,7 @@
             <a:fld id="{B61BEF0D-F0BB-DE4B-95CE-6DB70DBA9567}" type="datetimeFigureOut">
               <a:rPr lang="en-US"/>
               <a:pPr/>
-              <a:t>10/31/2022</a:t>
+              <a:t>8/26/2023</a:t>
             </a:fld>
             <a:endParaRPr lang="en-US"/>
           </a:p>
@@ -4601,7 +4608,7 @@
             <a:fld id="{B61BEF0D-F0BB-DE4B-95CE-6DB70DBA9567}" type="datetimeFigureOut">
               <a:rPr lang="en-US"/>
               <a:pPr/>
-              <a:t>10/31/2022</a:t>
+              <a:t>8/26/2023</a:t>
             </a:fld>
             <a:endParaRPr lang="en-US"/>
           </a:p>
@@ -5185,21 +5192,12 @@
           <a:p>
             <a:r>
               <a:rPr lang="en-GB" sz="3200" dirty="0"/>
-              <a:t>Serverless Infrastructure </a:t>
-            </a:r>
-            <a:br>
-              <a:rPr lang="en-GB" sz="3200" dirty="0"/>
-            </a:br>
-            <a:r>
-              <a:rPr lang="en-GB" sz="3200" dirty="0"/>
-              <a:t>With Azure Containers</a:t>
-            </a:r>
-            <a:br>
-              <a:rPr lang="en-GB" sz="3200" dirty="0"/>
-            </a:br>
-            <a:br>
-              <a:rPr lang="en-US" sz="3200" dirty="0"/>
-            </a:br>
+              <a:t>Containerize something </a:t>
+            </a:r>
+            <a:r>
+              <a:rPr lang="en-GB" sz="3200" dirty="0" err="1"/>
+              <a:t>something</a:t>
+            </a:r>
             <a:endParaRPr lang="en-US" sz="3200" dirty="0"/>
           </a:p>
         </p:txBody>
@@ -5276,7 +5274,7 @@
 </p:sld>
 </file>
 
-<file path=ppt/slides/slide2.xml><?xml version="1.0" encoding="utf-8"?>
+<file path=ppt/slides/slide10.xml><?xml version="1.0" encoding="utf-8"?>
 <p:sld xmlns:a="http://schemas.openxmlformats.org/drawingml/2006/main" xmlns:r="http://schemas.openxmlformats.org/officeDocument/2006/relationships" xmlns:p="http://schemas.openxmlformats.org/presentationml/2006/main">
   <p:cSld>
     <p:spTree>
@@ -5295,10 +5293,10 @@
       </p:grpSpPr>
       <p:sp>
         <p:nvSpPr>
-          <p:cNvPr id="3" name="Subtitle 2">
+          <p:cNvPr id="4" name="Title 4">
             <a:extLst>
               <a:ext uri="{FF2B5EF4-FFF2-40B4-BE49-F238E27FC236}">
-                <a16:creationId xmlns:a16="http://schemas.microsoft.com/office/drawing/2014/main" id="{FB9B0E28-205D-4B8D-B72F-75D77CF2161D}"/>
+                <a16:creationId xmlns:a16="http://schemas.microsoft.com/office/drawing/2014/main" id="{7E0E4275-1103-5964-98EB-52A55694D744}"/>
               </a:ext>
             </a:extLst>
           </p:cNvPr>
@@ -5306,13 +5304,13 @@
             <a:spLocks noGrp="1"/>
           </p:cNvSpPr>
           <p:nvPr>
-            <p:ph type="subTitle" idx="1"/>
+            <p:ph type="title"/>
           </p:nvPr>
         </p:nvSpPr>
         <p:spPr>
           <a:xfrm>
-            <a:off x="5776783" y="325271"/>
-            <a:ext cx="6260069" cy="3684497"/>
+            <a:off x="369048" y="492942"/>
+            <a:ext cx="5726952" cy="3164658"/>
           </a:xfrm>
         </p:spPr>
         <p:txBody>
@@ -5321,131 +5319,18 @@
           </a:bodyPr>
           <a:lstStyle/>
           <a:p>
-            <a:pPr algn="l"/>
-            <a:r>
-              <a:rPr lang="en-US" dirty="0"/>
-              <a:t>Magnus Ahlkvist</a:t>
-            </a:r>
-          </a:p>
-          <a:p>
-            <a:pPr algn="l"/>
-            <a:r>
-              <a:rPr lang="en-US" dirty="0"/>
-              <a:t>Mail: magnus@transmokopter.se</a:t>
-            </a:r>
-          </a:p>
-          <a:p>
-            <a:pPr algn="l"/>
-            <a:r>
-              <a:rPr lang="en-US" dirty="0"/>
-              <a:t>Twitter: @transmokopter</a:t>
-            </a:r>
-          </a:p>
-          <a:p>
-            <a:pPr algn="l"/>
-            <a:r>
-              <a:rPr lang="en-US" dirty="0" err="1"/>
-              <a:t>Github</a:t>
-            </a:r>
-            <a:r>
-              <a:rPr lang="en-US" dirty="0"/>
-              <a:t>: github.com/</a:t>
-            </a:r>
-            <a:r>
-              <a:rPr lang="en-US" dirty="0" err="1"/>
-              <a:t>transmokopter</a:t>
-            </a:r>
-            <a:endParaRPr lang="en-US" dirty="0"/>
-          </a:p>
-          <a:p>
-            <a:pPr algn="l"/>
-            <a:r>
-              <a:rPr lang="en-US" dirty="0" err="1"/>
-              <a:t>Blogg</a:t>
-            </a:r>
-            <a:r>
-              <a:rPr lang="en-US" dirty="0"/>
-              <a:t>: </a:t>
-            </a:r>
-            <a:r>
-              <a:rPr lang="en-US" dirty="0">
-                <a:hlinkClick r:id="rId2"/>
-              </a:rPr>
-              <a:t>www.tsql.nu</a:t>
-            </a:r>
-            <a:endParaRPr lang="en-US" dirty="0"/>
-          </a:p>
-          <a:p>
-            <a:pPr algn="l"/>
-            <a:r>
-              <a:rPr lang="en-US" dirty="0"/>
-              <a:t>SQL Friday: </a:t>
-            </a:r>
-            <a:r>
-              <a:rPr lang="en-US" dirty="0">
-                <a:hlinkClick r:id="rId3"/>
-              </a:rPr>
-              <a:t>www.sqlfriday.net</a:t>
-            </a:r>
-            <a:endParaRPr lang="en-US" dirty="0"/>
-          </a:p>
-          <a:p>
-            <a:pPr algn="l"/>
-            <a:r>
-              <a:rPr lang="en-US" dirty="0" err="1"/>
-              <a:t>Transmokopter</a:t>
-            </a:r>
-            <a:r>
-              <a:rPr lang="en-US" dirty="0"/>
-              <a:t>: </a:t>
-            </a:r>
-            <a:r>
-              <a:rPr lang="en-US" dirty="0">
-                <a:hlinkClick r:id="rId4"/>
-              </a:rPr>
-              <a:t>www.transmokopter.se</a:t>
-            </a:r>
-            <a:endParaRPr lang="en-US" dirty="0"/>
-          </a:p>
-          <a:p>
-            <a:pPr algn="l"/>
-            <a:endParaRPr lang="en-US" dirty="0"/>
-          </a:p>
-        </p:txBody>
-      </p:sp>
-      <p:pic>
-        <p:nvPicPr>
-          <p:cNvPr id="5" name="Picture 4" descr="A picture containing person, looking, cellphone, phone&#10;&#10;Description automatically generated">
-            <a:extLst>
-              <a:ext uri="{FF2B5EF4-FFF2-40B4-BE49-F238E27FC236}">
-                <a16:creationId xmlns:a16="http://schemas.microsoft.com/office/drawing/2014/main" id="{099A75BC-ED83-4232-8CE1-447DBDA9BC2E}"/>
-              </a:ext>
-            </a:extLst>
-          </p:cNvPr>
-          <p:cNvPicPr>
-            <a:picLocks noChangeAspect="1"/>
-          </p:cNvPicPr>
-          <p:nvPr/>
-        </p:nvPicPr>
-        <p:blipFill rotWithShape="1">
-          <a:blip r:embed="rId5"/>
-          <a:srcRect l="40596"/>
-          <a:stretch/>
-        </p:blipFill>
-        <p:spPr>
-          <a:xfrm>
-            <a:off x="0" y="0"/>
-            <a:ext cx="4269917" cy="6858000"/>
-          </a:xfrm>
-          <a:prstGeom prst="rect">
-            <a:avLst/>
-          </a:prstGeom>
-        </p:spPr>
-      </p:pic>
+            <a:r>
+              <a:rPr lang="en-GB" dirty="0"/>
+              <a:t>And that’s just on the hardware side of things</a:t>
+            </a:r>
+            <a:endParaRPr lang="LID4096" dirty="0"/>
+          </a:p>
+        </p:txBody>
+      </p:sp>
     </p:spTree>
     <p:extLst>
       <p:ext uri="{BB962C8B-B14F-4D97-AF65-F5344CB8AC3E}">
-        <p14:creationId xmlns:p14="http://schemas.microsoft.com/office/powerpoint/2010/main" val="2080522997"/>
+        <p14:creationId xmlns:p14="http://schemas.microsoft.com/office/powerpoint/2010/main" val="1112587341"/>
       </p:ext>
     </p:extLst>
   </p:cSld>
@@ -5455,7 +5340,190 @@
 </p:sld>
 </file>
 
-<file path=ppt/slides/slide3.xml><?xml version="1.0" encoding="utf-8"?>
+<file path=ppt/slides/slide11.xml><?xml version="1.0" encoding="utf-8"?>
+<p:sld xmlns:a="http://schemas.openxmlformats.org/drawingml/2006/main" xmlns:r="http://schemas.openxmlformats.org/officeDocument/2006/relationships" xmlns:p="http://schemas.openxmlformats.org/presentationml/2006/main">
+  <p:cSld>
+    <p:spTree>
+      <p:nvGrpSpPr>
+        <p:cNvPr id="1" name=""/>
+        <p:cNvGrpSpPr/>
+        <p:nvPr/>
+      </p:nvGrpSpPr>
+      <p:grpSpPr>
+        <a:xfrm>
+          <a:off x="0" y="0"/>
+          <a:ext cx="0" cy="0"/>
+          <a:chOff x="0" y="0"/>
+          <a:chExt cx="0" cy="0"/>
+        </a:xfrm>
+      </p:grpSpPr>
+      <p:sp>
+        <p:nvSpPr>
+          <p:cNvPr id="4" name="Title 7">
+            <a:extLst>
+              <a:ext uri="{FF2B5EF4-FFF2-40B4-BE49-F238E27FC236}">
+                <a16:creationId xmlns:a16="http://schemas.microsoft.com/office/drawing/2014/main" id="{68AA5B09-0C81-C9F3-ADD6-B89ED39596F1}"/>
+              </a:ext>
+            </a:extLst>
+          </p:cNvPr>
+          <p:cNvSpPr>
+            <a:spLocks noGrp="1"/>
+          </p:cNvSpPr>
+          <p:nvPr>
+            <p:ph type="title"/>
+          </p:nvPr>
+        </p:nvSpPr>
+        <p:spPr>
+          <a:xfrm>
+            <a:off x="584200" y="521482"/>
+            <a:ext cx="10020300" cy="1325563"/>
+          </a:xfrm>
+        </p:spPr>
+        <p:txBody>
+          <a:bodyPr/>
+          <a:lstStyle/>
+          <a:p>
+            <a:r>
+              <a:rPr lang="en-GB" dirty="0"/>
+              <a:t>Demo</a:t>
+            </a:r>
+            <a:endParaRPr lang="LID4096" dirty="0"/>
+          </a:p>
+        </p:txBody>
+      </p:sp>
+      <p:sp>
+        <p:nvSpPr>
+          <p:cNvPr id="5" name="Content Placeholder 8">
+            <a:extLst>
+              <a:ext uri="{FF2B5EF4-FFF2-40B4-BE49-F238E27FC236}">
+                <a16:creationId xmlns:a16="http://schemas.microsoft.com/office/drawing/2014/main" id="{A9C03834-C74B-5F1D-C731-42F7BC11E854}"/>
+              </a:ext>
+            </a:extLst>
+          </p:cNvPr>
+          <p:cNvSpPr>
+            <a:spLocks noGrp="1"/>
+          </p:cNvSpPr>
+          <p:nvPr>
+            <p:ph idx="1"/>
+          </p:nvPr>
+        </p:nvSpPr>
+        <p:spPr>
+          <a:xfrm>
+            <a:off x="584200" y="1574800"/>
+            <a:ext cx="10515600" cy="4374737"/>
+          </a:xfrm>
+        </p:spPr>
+        <p:txBody>
+          <a:bodyPr>
+            <a:normAutofit/>
+          </a:bodyPr>
+          <a:lstStyle/>
+          <a:p>
+            <a:pPr marL="457200" indent="-457200">
+              <a:buFont typeface="Arial" panose="020B0604020202020204" pitchFamily="34" charset="0"/>
+              <a:buChar char="•"/>
+            </a:pPr>
+            <a:r>
+              <a:rPr lang="en-GB" dirty="0" err="1"/>
+              <a:t>Dockerfile</a:t>
+            </a:r>
+            <a:r>
+              <a:rPr lang="en-GB" dirty="0"/>
+              <a:t> walkthrough</a:t>
+            </a:r>
+          </a:p>
+          <a:p>
+            <a:pPr marL="457200" indent="-457200">
+              <a:buFont typeface="Arial" panose="020B0604020202020204" pitchFamily="34" charset="0"/>
+              <a:buChar char="•"/>
+            </a:pPr>
+            <a:r>
+              <a:rPr lang="en-GB" dirty="0"/>
+              <a:t>Build container images</a:t>
+            </a:r>
+          </a:p>
+          <a:p>
+            <a:pPr marL="457200" indent="-457200">
+              <a:buFont typeface="Arial" panose="020B0604020202020204" pitchFamily="34" charset="0"/>
+              <a:buChar char="•"/>
+            </a:pPr>
+            <a:r>
+              <a:rPr lang="en-GB" dirty="0"/>
+              <a:t>Azure container registry</a:t>
+            </a:r>
+          </a:p>
+          <a:p>
+            <a:pPr marL="457200" indent="-457200">
+              <a:buFont typeface="Arial" panose="020B0604020202020204" pitchFamily="34" charset="0"/>
+              <a:buChar char="•"/>
+            </a:pPr>
+            <a:r>
+              <a:rPr lang="en-GB" dirty="0"/>
+              <a:t>Size matters – keep your containers small</a:t>
+            </a:r>
+          </a:p>
+          <a:p>
+            <a:pPr marL="457200" indent="-457200">
+              <a:buFont typeface="Arial" panose="020B0604020202020204" pitchFamily="34" charset="0"/>
+              <a:buChar char="•"/>
+            </a:pPr>
+            <a:r>
+              <a:rPr lang="en-GB" dirty="0"/>
+              <a:t>Containerize application with app and database</a:t>
+            </a:r>
+          </a:p>
+          <a:p>
+            <a:pPr marL="457200" indent="-457200">
+              <a:buFont typeface="Arial" panose="020B0604020202020204" pitchFamily="34" charset="0"/>
+              <a:buChar char="•"/>
+            </a:pPr>
+            <a:r>
+              <a:rPr lang="en-GB" dirty="0"/>
+              <a:t>Deploy containerised app as container group to Azure Container Instance</a:t>
+            </a:r>
+          </a:p>
+          <a:p>
+            <a:pPr marL="457200" indent="-457200">
+              <a:buFont typeface="Arial" panose="020B0604020202020204" pitchFamily="34" charset="0"/>
+              <a:buChar char="•"/>
+            </a:pPr>
+            <a:r>
+              <a:rPr lang="en-GB" dirty="0"/>
+              <a:t>Deploy with docker-</a:t>
+            </a:r>
+            <a:r>
+              <a:rPr lang="en-GB" dirty="0" err="1"/>
+              <a:t>compose.yml</a:t>
+            </a:r>
+            <a:r>
+              <a:rPr lang="en-GB" dirty="0"/>
+              <a:t>. To wherever you want. </a:t>
+            </a:r>
+            <a:r>
+              <a:rPr lang="en-GB"/>
+              <a:t>Sort of.</a:t>
+            </a:r>
+            <a:endParaRPr lang="en-GB" dirty="0"/>
+          </a:p>
+          <a:p>
+            <a:endParaRPr lang="LID4096" dirty="0"/>
+          </a:p>
+        </p:txBody>
+      </p:sp>
+    </p:spTree>
+    <p:extLst>
+      <p:ext uri="{BB962C8B-B14F-4D97-AF65-F5344CB8AC3E}">
+        <p14:creationId xmlns:p14="http://schemas.microsoft.com/office/powerpoint/2010/main" val="4198668346"/>
+      </p:ext>
+    </p:extLst>
+  </p:cSld>
+  <p:clrMapOvr>
+    <a:masterClrMapping/>
+  </p:clrMapOvr>
+</p:sld>
+</file>
+
+<file path=ppt/slides/slide2.xml><?xml version="1.0" encoding="utf-8"?>
 <p:sld xmlns:a="http://schemas.openxmlformats.org/drawingml/2006/main" xmlns:r="http://schemas.openxmlformats.org/officeDocument/2006/relationships" xmlns:p="http://schemas.openxmlformats.org/presentationml/2006/main">
   <p:cSld>
     <p:spTree>
@@ -5545,7 +5613,1012 @@
 </p:sld>
 </file>
 
+<file path=ppt/slides/slide3.xml><?xml version="1.0" encoding="utf-8"?>
+<p:sld xmlns:a="http://schemas.openxmlformats.org/drawingml/2006/main" xmlns:r="http://schemas.openxmlformats.org/officeDocument/2006/relationships" xmlns:p="http://schemas.openxmlformats.org/presentationml/2006/main">
+  <p:cSld>
+    <p:spTree>
+      <p:nvGrpSpPr>
+        <p:cNvPr id="1" name=""/>
+        <p:cNvGrpSpPr/>
+        <p:nvPr/>
+      </p:nvGrpSpPr>
+      <p:grpSpPr>
+        <a:xfrm>
+          <a:off x="0" y="0"/>
+          <a:ext cx="0" cy="0"/>
+          <a:chOff x="0" y="0"/>
+          <a:chExt cx="0" cy="0"/>
+        </a:xfrm>
+      </p:grpSpPr>
+      <p:sp>
+        <p:nvSpPr>
+          <p:cNvPr id="2" name="Content Placeholder 15">
+            <a:extLst>
+              <a:ext uri="{FF2B5EF4-FFF2-40B4-BE49-F238E27FC236}">
+                <a16:creationId xmlns:a16="http://schemas.microsoft.com/office/drawing/2014/main" id="{933D8CBD-D6CC-DD19-AFB4-A6337333EBF7}"/>
+              </a:ext>
+            </a:extLst>
+          </p:cNvPr>
+          <p:cNvSpPr txBox="1">
+            <a:spLocks/>
+          </p:cNvSpPr>
+          <p:nvPr/>
+        </p:nvSpPr>
+        <p:spPr>
+          <a:xfrm>
+            <a:off x="369047" y="1825625"/>
+            <a:ext cx="8165353" cy="4351338"/>
+          </a:xfrm>
+          <a:prstGeom prst="rect">
+            <a:avLst/>
+          </a:prstGeom>
+        </p:spPr>
+        <p:txBody>
+          <a:bodyPr>
+            <a:normAutofit/>
+          </a:bodyPr>
+          <a:lstStyle>
+            <a:lvl1pPr marL="342900" indent="-342900" algn="l" defTabSz="457200" rtl="0" eaLnBrk="1" latinLnBrk="0" hangingPunct="1">
+              <a:spcBef>
+                <a:spcPts val="1000"/>
+              </a:spcBef>
+              <a:spcAft>
+                <a:spcPts val="0"/>
+              </a:spcAft>
+              <a:buClr>
+                <a:schemeClr val="accent1"/>
+              </a:buClr>
+              <a:buSzPct val="80000"/>
+              <a:buFont typeface="Wingdings 3" charset="2"/>
+              <a:buChar char=""/>
+              <a:defRPr sz="1800" kern="1200">
+                <a:solidFill>
+                  <a:schemeClr val="tx1">
+                    <a:lumMod val="75000"/>
+                    <a:lumOff val="25000"/>
+                  </a:schemeClr>
+                </a:solidFill>
+                <a:latin typeface="Source Sans Pro" panose="020B0503030403020204" pitchFamily="34" charset="0"/>
+                <a:ea typeface="Source Sans Pro" panose="020B0503030403020204" pitchFamily="34" charset="0"/>
+                <a:cs typeface="+mn-cs"/>
+              </a:defRPr>
+            </a:lvl1pPr>
+            <a:lvl2pPr marL="742950" indent="-285750" algn="l" defTabSz="457200" rtl="0" eaLnBrk="1" latinLnBrk="0" hangingPunct="1">
+              <a:spcBef>
+                <a:spcPts val="1000"/>
+              </a:spcBef>
+              <a:spcAft>
+                <a:spcPts val="0"/>
+              </a:spcAft>
+              <a:buClr>
+                <a:schemeClr val="accent1"/>
+              </a:buClr>
+              <a:buSzPct val="80000"/>
+              <a:buFont typeface="Wingdings 3" charset="2"/>
+              <a:buChar char=""/>
+              <a:defRPr sz="1600" kern="1200">
+                <a:solidFill>
+                  <a:schemeClr val="tx1">
+                    <a:lumMod val="75000"/>
+                    <a:lumOff val="25000"/>
+                  </a:schemeClr>
+                </a:solidFill>
+                <a:latin typeface="Source Sans Pro" panose="020B0503030403020204" pitchFamily="34" charset="0"/>
+                <a:ea typeface="Source Sans Pro" panose="020B0503030403020204" pitchFamily="34" charset="0"/>
+                <a:cs typeface="+mn-cs"/>
+              </a:defRPr>
+            </a:lvl2pPr>
+            <a:lvl3pPr marL="1143000" indent="-228600" algn="l" defTabSz="457200" rtl="0" eaLnBrk="1" latinLnBrk="0" hangingPunct="1">
+              <a:spcBef>
+                <a:spcPts val="1000"/>
+              </a:spcBef>
+              <a:spcAft>
+                <a:spcPts val="0"/>
+              </a:spcAft>
+              <a:buClr>
+                <a:schemeClr val="accent1"/>
+              </a:buClr>
+              <a:buSzPct val="80000"/>
+              <a:buFont typeface="Wingdings 3" charset="2"/>
+              <a:buChar char=""/>
+              <a:defRPr sz="1400" kern="1200">
+                <a:solidFill>
+                  <a:schemeClr val="tx1">
+                    <a:lumMod val="75000"/>
+                    <a:lumOff val="25000"/>
+                  </a:schemeClr>
+                </a:solidFill>
+                <a:latin typeface="Source Sans Pro" panose="020B0503030403020204" pitchFamily="34" charset="0"/>
+                <a:ea typeface="Source Sans Pro" panose="020B0503030403020204" pitchFamily="34" charset="0"/>
+                <a:cs typeface="+mn-cs"/>
+              </a:defRPr>
+            </a:lvl3pPr>
+            <a:lvl4pPr marL="1600200" indent="-228600" algn="l" defTabSz="457200" rtl="0" eaLnBrk="1" latinLnBrk="0" hangingPunct="1">
+              <a:spcBef>
+                <a:spcPts val="1000"/>
+              </a:spcBef>
+              <a:spcAft>
+                <a:spcPts val="0"/>
+              </a:spcAft>
+              <a:buClr>
+                <a:schemeClr val="accent1"/>
+              </a:buClr>
+              <a:buSzPct val="80000"/>
+              <a:buFont typeface="Wingdings 3" charset="2"/>
+              <a:buChar char=""/>
+              <a:defRPr sz="1200" kern="1200">
+                <a:solidFill>
+                  <a:schemeClr val="tx1">
+                    <a:lumMod val="75000"/>
+                    <a:lumOff val="25000"/>
+                  </a:schemeClr>
+                </a:solidFill>
+                <a:latin typeface="Source Sans Pro" panose="020B0503030403020204" pitchFamily="34" charset="0"/>
+                <a:ea typeface="Source Sans Pro" panose="020B0503030403020204" pitchFamily="34" charset="0"/>
+                <a:cs typeface="+mn-cs"/>
+              </a:defRPr>
+            </a:lvl4pPr>
+            <a:lvl5pPr marL="2057400" indent="-228600" algn="l" defTabSz="457200" rtl="0" eaLnBrk="1" latinLnBrk="0" hangingPunct="1">
+              <a:spcBef>
+                <a:spcPts val="1000"/>
+              </a:spcBef>
+              <a:spcAft>
+                <a:spcPts val="0"/>
+              </a:spcAft>
+              <a:buClr>
+                <a:schemeClr val="accent1"/>
+              </a:buClr>
+              <a:buSzPct val="80000"/>
+              <a:buFont typeface="Wingdings 3" charset="2"/>
+              <a:buChar char=""/>
+              <a:defRPr sz="1200" kern="1200">
+                <a:solidFill>
+                  <a:schemeClr val="tx1">
+                    <a:lumMod val="75000"/>
+                    <a:lumOff val="25000"/>
+                  </a:schemeClr>
+                </a:solidFill>
+                <a:latin typeface="Source Sans Pro" panose="020B0503030403020204" pitchFamily="34" charset="0"/>
+                <a:ea typeface="Source Sans Pro" panose="020B0503030403020204" pitchFamily="34" charset="0"/>
+                <a:cs typeface="+mn-cs"/>
+              </a:defRPr>
+            </a:lvl5pPr>
+            <a:lvl6pPr marL="2514600" indent="-228600" algn="l" defTabSz="457200" rtl="0" eaLnBrk="1" latinLnBrk="0" hangingPunct="1">
+              <a:spcBef>
+                <a:spcPts val="1000"/>
+              </a:spcBef>
+              <a:spcAft>
+                <a:spcPts val="0"/>
+              </a:spcAft>
+              <a:buClr>
+                <a:schemeClr val="accent1"/>
+              </a:buClr>
+              <a:buSzPct val="80000"/>
+              <a:buFont typeface="Wingdings 3" charset="2"/>
+              <a:buChar char=""/>
+              <a:defRPr sz="1200" kern="1200">
+                <a:solidFill>
+                  <a:schemeClr val="tx1">
+                    <a:lumMod val="75000"/>
+                    <a:lumOff val="25000"/>
+                  </a:schemeClr>
+                </a:solidFill>
+                <a:latin typeface="+mn-lt"/>
+                <a:ea typeface="+mn-ea"/>
+                <a:cs typeface="+mn-cs"/>
+              </a:defRPr>
+            </a:lvl6pPr>
+            <a:lvl7pPr marL="2971800" indent="-228600" algn="l" defTabSz="457200" rtl="0" eaLnBrk="1" latinLnBrk="0" hangingPunct="1">
+              <a:spcBef>
+                <a:spcPts val="1000"/>
+              </a:spcBef>
+              <a:spcAft>
+                <a:spcPts val="0"/>
+              </a:spcAft>
+              <a:buClr>
+                <a:schemeClr val="accent1"/>
+              </a:buClr>
+              <a:buSzPct val="80000"/>
+              <a:buFont typeface="Wingdings 3" charset="2"/>
+              <a:buChar char=""/>
+              <a:defRPr sz="1200" kern="1200">
+                <a:solidFill>
+                  <a:schemeClr val="tx1">
+                    <a:lumMod val="75000"/>
+                    <a:lumOff val="25000"/>
+                  </a:schemeClr>
+                </a:solidFill>
+                <a:latin typeface="+mn-lt"/>
+                <a:ea typeface="+mn-ea"/>
+                <a:cs typeface="+mn-cs"/>
+              </a:defRPr>
+            </a:lvl7pPr>
+            <a:lvl8pPr marL="3429000" indent="-228600" algn="l" defTabSz="457200" rtl="0" eaLnBrk="1" latinLnBrk="0" hangingPunct="1">
+              <a:spcBef>
+                <a:spcPts val="1000"/>
+              </a:spcBef>
+              <a:spcAft>
+                <a:spcPts val="0"/>
+              </a:spcAft>
+              <a:buClr>
+                <a:schemeClr val="accent1"/>
+              </a:buClr>
+              <a:buSzPct val="80000"/>
+              <a:buFont typeface="Wingdings 3" charset="2"/>
+              <a:buChar char=""/>
+              <a:defRPr sz="1200" kern="1200">
+                <a:solidFill>
+                  <a:schemeClr val="tx1">
+                    <a:lumMod val="75000"/>
+                    <a:lumOff val="25000"/>
+                  </a:schemeClr>
+                </a:solidFill>
+                <a:latin typeface="+mn-lt"/>
+                <a:ea typeface="+mn-ea"/>
+                <a:cs typeface="+mn-cs"/>
+              </a:defRPr>
+            </a:lvl8pPr>
+            <a:lvl9pPr marL="3886200" indent="-228600" algn="l" defTabSz="457200" rtl="0" eaLnBrk="1" latinLnBrk="0" hangingPunct="1">
+              <a:spcBef>
+                <a:spcPts val="1000"/>
+              </a:spcBef>
+              <a:spcAft>
+                <a:spcPts val="0"/>
+              </a:spcAft>
+              <a:buClr>
+                <a:schemeClr val="accent1"/>
+              </a:buClr>
+              <a:buSzPct val="80000"/>
+              <a:buFont typeface="Wingdings 3" charset="2"/>
+              <a:buChar char=""/>
+              <a:defRPr sz="1200" kern="1200">
+                <a:solidFill>
+                  <a:schemeClr val="tx1">
+                    <a:lumMod val="75000"/>
+                    <a:lumOff val="25000"/>
+                  </a:schemeClr>
+                </a:solidFill>
+                <a:latin typeface="+mn-lt"/>
+                <a:ea typeface="+mn-ea"/>
+                <a:cs typeface="+mn-cs"/>
+              </a:defRPr>
+            </a:lvl9pPr>
+          </a:lstStyle>
+          <a:p>
+            <a:r>
+              <a:rPr lang="en-GB"/>
+              <a:t>Order hardware</a:t>
+            </a:r>
+          </a:p>
+          <a:p>
+            <a:r>
+              <a:rPr lang="en-GB"/>
+              <a:t>Assemble hardware</a:t>
+            </a:r>
+          </a:p>
+          <a:p>
+            <a:r>
+              <a:rPr lang="en-GB"/>
+              <a:t>Configure network</a:t>
+            </a:r>
+          </a:p>
+          <a:p>
+            <a:r>
+              <a:rPr lang="en-GB"/>
+              <a:t>Configure OS</a:t>
+            </a:r>
+          </a:p>
+          <a:p>
+            <a:r>
+              <a:rPr lang="en-GB"/>
+              <a:t>Install SQL</a:t>
+            </a:r>
+          </a:p>
+          <a:p>
+            <a:r>
+              <a:rPr lang="en-GB"/>
+              <a:t>Deploy database</a:t>
+            </a:r>
+            <a:endParaRPr lang="LID4096" dirty="0"/>
+          </a:p>
+        </p:txBody>
+      </p:sp>
+      <p:sp>
+        <p:nvSpPr>
+          <p:cNvPr id="3" name="Title 14">
+            <a:extLst>
+              <a:ext uri="{FF2B5EF4-FFF2-40B4-BE49-F238E27FC236}">
+                <a16:creationId xmlns:a16="http://schemas.microsoft.com/office/drawing/2014/main" id="{2D50A3E4-BD62-62FA-6CE9-503EC778B454}"/>
+              </a:ext>
+            </a:extLst>
+          </p:cNvPr>
+          <p:cNvSpPr txBox="1">
+            <a:spLocks/>
+          </p:cNvSpPr>
+          <p:nvPr/>
+        </p:nvSpPr>
+        <p:spPr>
+          <a:xfrm>
+            <a:off x="369047" y="492942"/>
+            <a:ext cx="9418359" cy="1325563"/>
+          </a:xfrm>
+          <a:prstGeom prst="rect">
+            <a:avLst/>
+          </a:prstGeom>
+        </p:spPr>
+        <p:txBody>
+          <a:bodyPr/>
+          <a:lstStyle>
+            <a:lvl1pPr algn="l" defTabSz="457200" rtl="0" eaLnBrk="1" latinLnBrk="0" hangingPunct="1">
+              <a:spcBef>
+                <a:spcPct val="0"/>
+              </a:spcBef>
+              <a:buNone/>
+              <a:defRPr sz="3600" kern="1200">
+                <a:solidFill>
+                  <a:schemeClr val="accent1"/>
+                </a:solidFill>
+                <a:latin typeface="Roboto Light" panose="02000000000000000000" pitchFamily="2" charset="0"/>
+                <a:ea typeface="Roboto Light" panose="02000000000000000000" pitchFamily="2" charset="0"/>
+                <a:cs typeface="Roboto Light" panose="02000000000000000000" pitchFamily="2" charset="0"/>
+              </a:defRPr>
+            </a:lvl1pPr>
+            <a:lvl2pPr eaLnBrk="1" hangingPunct="1">
+              <a:defRPr>
+                <a:solidFill>
+                  <a:schemeClr val="tx2"/>
+                </a:solidFill>
+              </a:defRPr>
+            </a:lvl2pPr>
+            <a:lvl3pPr eaLnBrk="1" hangingPunct="1">
+              <a:defRPr>
+                <a:solidFill>
+                  <a:schemeClr val="tx2"/>
+                </a:solidFill>
+              </a:defRPr>
+            </a:lvl3pPr>
+            <a:lvl4pPr eaLnBrk="1" hangingPunct="1">
+              <a:defRPr>
+                <a:solidFill>
+                  <a:schemeClr val="tx2"/>
+                </a:solidFill>
+              </a:defRPr>
+            </a:lvl4pPr>
+            <a:lvl5pPr eaLnBrk="1" hangingPunct="1">
+              <a:defRPr>
+                <a:solidFill>
+                  <a:schemeClr val="tx2"/>
+                </a:solidFill>
+              </a:defRPr>
+            </a:lvl5pPr>
+            <a:lvl6pPr eaLnBrk="1" hangingPunct="1">
+              <a:defRPr>
+                <a:solidFill>
+                  <a:schemeClr val="tx2"/>
+                </a:solidFill>
+              </a:defRPr>
+            </a:lvl6pPr>
+            <a:lvl7pPr eaLnBrk="1" hangingPunct="1">
+              <a:defRPr>
+                <a:solidFill>
+                  <a:schemeClr val="tx2"/>
+                </a:solidFill>
+              </a:defRPr>
+            </a:lvl7pPr>
+            <a:lvl8pPr eaLnBrk="1" hangingPunct="1">
+              <a:defRPr>
+                <a:solidFill>
+                  <a:schemeClr val="tx2"/>
+                </a:solidFill>
+              </a:defRPr>
+            </a:lvl8pPr>
+            <a:lvl9pPr eaLnBrk="1" hangingPunct="1">
+              <a:defRPr>
+                <a:solidFill>
+                  <a:schemeClr val="tx2"/>
+                </a:solidFill>
+              </a:defRPr>
+            </a:lvl9pPr>
+          </a:lstStyle>
+          <a:p>
+            <a:r>
+              <a:rPr lang="en-GB"/>
+              <a:t>Deploying a new system in year 2000</a:t>
+            </a:r>
+            <a:endParaRPr lang="LID4096" dirty="0"/>
+          </a:p>
+        </p:txBody>
+      </p:sp>
+    </p:spTree>
+    <p:extLst>
+      <p:ext uri="{BB962C8B-B14F-4D97-AF65-F5344CB8AC3E}">
+        <p14:creationId xmlns:p14="http://schemas.microsoft.com/office/powerpoint/2010/main" val="2541597483"/>
+      </p:ext>
+    </p:extLst>
+  </p:cSld>
+  <p:clrMapOvr>
+    <a:masterClrMapping/>
+  </p:clrMapOvr>
+</p:sld>
+</file>
+
 <file path=ppt/slides/slide4.xml><?xml version="1.0" encoding="utf-8"?>
+<p:sld xmlns:a="http://schemas.openxmlformats.org/drawingml/2006/main" xmlns:r="http://schemas.openxmlformats.org/officeDocument/2006/relationships" xmlns:p="http://schemas.openxmlformats.org/presentationml/2006/main">
+  <p:cSld>
+    <p:spTree>
+      <p:nvGrpSpPr>
+        <p:cNvPr id="1" name=""/>
+        <p:cNvGrpSpPr/>
+        <p:nvPr/>
+      </p:nvGrpSpPr>
+      <p:grpSpPr>
+        <a:xfrm>
+          <a:off x="0" y="0"/>
+          <a:ext cx="0" cy="0"/>
+          <a:chOff x="0" y="0"/>
+          <a:chExt cx="0" cy="0"/>
+        </a:xfrm>
+      </p:grpSpPr>
+      <p:sp>
+        <p:nvSpPr>
+          <p:cNvPr id="2" name="Content Placeholder 1">
+            <a:extLst>
+              <a:ext uri="{FF2B5EF4-FFF2-40B4-BE49-F238E27FC236}">
+                <a16:creationId xmlns:a16="http://schemas.microsoft.com/office/drawing/2014/main" id="{8123E278-BC88-53C8-A0E4-17D4FF50B1B6}"/>
+              </a:ext>
+            </a:extLst>
+          </p:cNvPr>
+          <p:cNvSpPr txBox="1">
+            <a:spLocks/>
+          </p:cNvSpPr>
+          <p:nvPr/>
+        </p:nvSpPr>
+        <p:spPr>
+          <a:xfrm>
+            <a:off x="369047" y="1825625"/>
+            <a:ext cx="8165353" cy="4351338"/>
+          </a:xfrm>
+          <a:prstGeom prst="rect">
+            <a:avLst/>
+          </a:prstGeom>
+        </p:spPr>
+        <p:txBody>
+          <a:bodyPr>
+            <a:normAutofit/>
+          </a:bodyPr>
+          <a:lstStyle>
+            <a:lvl1pPr marL="342900" indent="-342900" algn="l" defTabSz="457200" rtl="0" eaLnBrk="1" latinLnBrk="0" hangingPunct="1">
+              <a:spcBef>
+                <a:spcPts val="1000"/>
+              </a:spcBef>
+              <a:spcAft>
+                <a:spcPts val="0"/>
+              </a:spcAft>
+              <a:buClr>
+                <a:schemeClr val="accent1"/>
+              </a:buClr>
+              <a:buSzPct val="80000"/>
+              <a:buFont typeface="Wingdings 3" charset="2"/>
+              <a:buChar char=""/>
+              <a:defRPr sz="1800" kern="1200">
+                <a:solidFill>
+                  <a:schemeClr val="tx1">
+                    <a:lumMod val="75000"/>
+                    <a:lumOff val="25000"/>
+                  </a:schemeClr>
+                </a:solidFill>
+                <a:latin typeface="Source Sans Pro" panose="020B0503030403020204" pitchFamily="34" charset="0"/>
+                <a:ea typeface="Source Sans Pro" panose="020B0503030403020204" pitchFamily="34" charset="0"/>
+                <a:cs typeface="+mn-cs"/>
+              </a:defRPr>
+            </a:lvl1pPr>
+            <a:lvl2pPr marL="742950" indent="-285750" algn="l" defTabSz="457200" rtl="0" eaLnBrk="1" latinLnBrk="0" hangingPunct="1">
+              <a:spcBef>
+                <a:spcPts val="1000"/>
+              </a:spcBef>
+              <a:spcAft>
+                <a:spcPts val="0"/>
+              </a:spcAft>
+              <a:buClr>
+                <a:schemeClr val="accent1"/>
+              </a:buClr>
+              <a:buSzPct val="80000"/>
+              <a:buFont typeface="Wingdings 3" charset="2"/>
+              <a:buChar char=""/>
+              <a:defRPr sz="1600" kern="1200">
+                <a:solidFill>
+                  <a:schemeClr val="tx1">
+                    <a:lumMod val="75000"/>
+                    <a:lumOff val="25000"/>
+                  </a:schemeClr>
+                </a:solidFill>
+                <a:latin typeface="Source Sans Pro" panose="020B0503030403020204" pitchFamily="34" charset="0"/>
+                <a:ea typeface="Source Sans Pro" panose="020B0503030403020204" pitchFamily="34" charset="0"/>
+                <a:cs typeface="+mn-cs"/>
+              </a:defRPr>
+            </a:lvl2pPr>
+            <a:lvl3pPr marL="1143000" indent="-228600" algn="l" defTabSz="457200" rtl="0" eaLnBrk="1" latinLnBrk="0" hangingPunct="1">
+              <a:spcBef>
+                <a:spcPts val="1000"/>
+              </a:spcBef>
+              <a:spcAft>
+                <a:spcPts val="0"/>
+              </a:spcAft>
+              <a:buClr>
+                <a:schemeClr val="accent1"/>
+              </a:buClr>
+              <a:buSzPct val="80000"/>
+              <a:buFont typeface="Wingdings 3" charset="2"/>
+              <a:buChar char=""/>
+              <a:defRPr sz="1400" kern="1200">
+                <a:solidFill>
+                  <a:schemeClr val="tx1">
+                    <a:lumMod val="75000"/>
+                    <a:lumOff val="25000"/>
+                  </a:schemeClr>
+                </a:solidFill>
+                <a:latin typeface="Source Sans Pro" panose="020B0503030403020204" pitchFamily="34" charset="0"/>
+                <a:ea typeface="Source Sans Pro" panose="020B0503030403020204" pitchFamily="34" charset="0"/>
+                <a:cs typeface="+mn-cs"/>
+              </a:defRPr>
+            </a:lvl3pPr>
+            <a:lvl4pPr marL="1600200" indent="-228600" algn="l" defTabSz="457200" rtl="0" eaLnBrk="1" latinLnBrk="0" hangingPunct="1">
+              <a:spcBef>
+                <a:spcPts val="1000"/>
+              </a:spcBef>
+              <a:spcAft>
+                <a:spcPts val="0"/>
+              </a:spcAft>
+              <a:buClr>
+                <a:schemeClr val="accent1"/>
+              </a:buClr>
+              <a:buSzPct val="80000"/>
+              <a:buFont typeface="Wingdings 3" charset="2"/>
+              <a:buChar char=""/>
+              <a:defRPr sz="1200" kern="1200">
+                <a:solidFill>
+                  <a:schemeClr val="tx1">
+                    <a:lumMod val="75000"/>
+                    <a:lumOff val="25000"/>
+                  </a:schemeClr>
+                </a:solidFill>
+                <a:latin typeface="Source Sans Pro" panose="020B0503030403020204" pitchFamily="34" charset="0"/>
+                <a:ea typeface="Source Sans Pro" panose="020B0503030403020204" pitchFamily="34" charset="0"/>
+                <a:cs typeface="+mn-cs"/>
+              </a:defRPr>
+            </a:lvl4pPr>
+            <a:lvl5pPr marL="2057400" indent="-228600" algn="l" defTabSz="457200" rtl="0" eaLnBrk="1" latinLnBrk="0" hangingPunct="1">
+              <a:spcBef>
+                <a:spcPts val="1000"/>
+              </a:spcBef>
+              <a:spcAft>
+                <a:spcPts val="0"/>
+              </a:spcAft>
+              <a:buClr>
+                <a:schemeClr val="accent1"/>
+              </a:buClr>
+              <a:buSzPct val="80000"/>
+              <a:buFont typeface="Wingdings 3" charset="2"/>
+              <a:buChar char=""/>
+              <a:defRPr sz="1200" kern="1200">
+                <a:solidFill>
+                  <a:schemeClr val="tx1">
+                    <a:lumMod val="75000"/>
+                    <a:lumOff val="25000"/>
+                  </a:schemeClr>
+                </a:solidFill>
+                <a:latin typeface="Source Sans Pro" panose="020B0503030403020204" pitchFamily="34" charset="0"/>
+                <a:ea typeface="Source Sans Pro" panose="020B0503030403020204" pitchFamily="34" charset="0"/>
+                <a:cs typeface="+mn-cs"/>
+              </a:defRPr>
+            </a:lvl5pPr>
+            <a:lvl6pPr marL="2514600" indent="-228600" algn="l" defTabSz="457200" rtl="0" eaLnBrk="1" latinLnBrk="0" hangingPunct="1">
+              <a:spcBef>
+                <a:spcPts val="1000"/>
+              </a:spcBef>
+              <a:spcAft>
+                <a:spcPts val="0"/>
+              </a:spcAft>
+              <a:buClr>
+                <a:schemeClr val="accent1"/>
+              </a:buClr>
+              <a:buSzPct val="80000"/>
+              <a:buFont typeface="Wingdings 3" charset="2"/>
+              <a:buChar char=""/>
+              <a:defRPr sz="1200" kern="1200">
+                <a:solidFill>
+                  <a:schemeClr val="tx1">
+                    <a:lumMod val="75000"/>
+                    <a:lumOff val="25000"/>
+                  </a:schemeClr>
+                </a:solidFill>
+                <a:latin typeface="+mn-lt"/>
+                <a:ea typeface="+mn-ea"/>
+                <a:cs typeface="+mn-cs"/>
+              </a:defRPr>
+            </a:lvl6pPr>
+            <a:lvl7pPr marL="2971800" indent="-228600" algn="l" defTabSz="457200" rtl="0" eaLnBrk="1" latinLnBrk="0" hangingPunct="1">
+              <a:spcBef>
+                <a:spcPts val="1000"/>
+              </a:spcBef>
+              <a:spcAft>
+                <a:spcPts val="0"/>
+              </a:spcAft>
+              <a:buClr>
+                <a:schemeClr val="accent1"/>
+              </a:buClr>
+              <a:buSzPct val="80000"/>
+              <a:buFont typeface="Wingdings 3" charset="2"/>
+              <a:buChar char=""/>
+              <a:defRPr sz="1200" kern="1200">
+                <a:solidFill>
+                  <a:schemeClr val="tx1">
+                    <a:lumMod val="75000"/>
+                    <a:lumOff val="25000"/>
+                  </a:schemeClr>
+                </a:solidFill>
+                <a:latin typeface="+mn-lt"/>
+                <a:ea typeface="+mn-ea"/>
+                <a:cs typeface="+mn-cs"/>
+              </a:defRPr>
+            </a:lvl7pPr>
+            <a:lvl8pPr marL="3429000" indent="-228600" algn="l" defTabSz="457200" rtl="0" eaLnBrk="1" latinLnBrk="0" hangingPunct="1">
+              <a:spcBef>
+                <a:spcPts val="1000"/>
+              </a:spcBef>
+              <a:spcAft>
+                <a:spcPts val="0"/>
+              </a:spcAft>
+              <a:buClr>
+                <a:schemeClr val="accent1"/>
+              </a:buClr>
+              <a:buSzPct val="80000"/>
+              <a:buFont typeface="Wingdings 3" charset="2"/>
+              <a:buChar char=""/>
+              <a:defRPr sz="1200" kern="1200">
+                <a:solidFill>
+                  <a:schemeClr val="tx1">
+                    <a:lumMod val="75000"/>
+                    <a:lumOff val="25000"/>
+                  </a:schemeClr>
+                </a:solidFill>
+                <a:latin typeface="+mn-lt"/>
+                <a:ea typeface="+mn-ea"/>
+                <a:cs typeface="+mn-cs"/>
+              </a:defRPr>
+            </a:lvl8pPr>
+            <a:lvl9pPr marL="3886200" indent="-228600" algn="l" defTabSz="457200" rtl="0" eaLnBrk="1" latinLnBrk="0" hangingPunct="1">
+              <a:spcBef>
+                <a:spcPts val="1000"/>
+              </a:spcBef>
+              <a:spcAft>
+                <a:spcPts val="0"/>
+              </a:spcAft>
+              <a:buClr>
+                <a:schemeClr val="accent1"/>
+              </a:buClr>
+              <a:buSzPct val="80000"/>
+              <a:buFont typeface="Wingdings 3" charset="2"/>
+              <a:buChar char=""/>
+              <a:defRPr sz="1200" kern="1200">
+                <a:solidFill>
+                  <a:schemeClr val="tx1">
+                    <a:lumMod val="75000"/>
+                    <a:lumOff val="25000"/>
+                  </a:schemeClr>
+                </a:solidFill>
+                <a:latin typeface="+mn-lt"/>
+                <a:ea typeface="+mn-ea"/>
+                <a:cs typeface="+mn-cs"/>
+              </a:defRPr>
+            </a:lvl9pPr>
+          </a:lstStyle>
+          <a:p>
+            <a:r>
+              <a:rPr lang="en-GB"/>
+              <a:t>Check if disks are near capacity</a:t>
+            </a:r>
+          </a:p>
+          <a:p>
+            <a:pPr lvl="1"/>
+            <a:r>
+              <a:rPr lang="en-GB"/>
+              <a:t>Order new disks and controllers and build a new RAID array in the server</a:t>
+            </a:r>
+          </a:p>
+          <a:p>
+            <a:r>
+              <a:rPr lang="en-GB"/>
+              <a:t>Replace faulty disks</a:t>
+            </a:r>
+          </a:p>
+          <a:p>
+            <a:r>
+              <a:rPr lang="en-GB"/>
+              <a:t>Add a new CPU to the database </a:t>
+            </a:r>
+            <a:br>
+              <a:rPr lang="en-GB"/>
+            </a:br>
+            <a:r>
+              <a:rPr lang="en-GB"/>
+              <a:t>server</a:t>
+            </a:r>
+          </a:p>
+          <a:p>
+            <a:r>
+              <a:rPr lang="en-GB"/>
+              <a:t>Deploy database changes with manual </a:t>
+            </a:r>
+            <a:br>
+              <a:rPr lang="en-GB"/>
+            </a:br>
+            <a:r>
+              <a:rPr lang="en-GB"/>
+              <a:t>script execution</a:t>
+            </a:r>
+            <a:endParaRPr lang="LID4096" dirty="0"/>
+          </a:p>
+        </p:txBody>
+      </p:sp>
+      <p:sp>
+        <p:nvSpPr>
+          <p:cNvPr id="3" name="Title 2">
+            <a:extLst>
+              <a:ext uri="{FF2B5EF4-FFF2-40B4-BE49-F238E27FC236}">
+                <a16:creationId xmlns:a16="http://schemas.microsoft.com/office/drawing/2014/main" id="{5E907189-E593-4961-815B-2E0C6590CBA6}"/>
+              </a:ext>
+            </a:extLst>
+          </p:cNvPr>
+          <p:cNvSpPr txBox="1">
+            <a:spLocks/>
+          </p:cNvSpPr>
+          <p:nvPr/>
+        </p:nvSpPr>
+        <p:spPr>
+          <a:xfrm>
+            <a:off x="369047" y="492942"/>
+            <a:ext cx="9418359" cy="1325563"/>
+          </a:xfrm>
+          <a:prstGeom prst="rect">
+            <a:avLst/>
+          </a:prstGeom>
+        </p:spPr>
+        <p:txBody>
+          <a:bodyPr/>
+          <a:lstStyle>
+            <a:lvl1pPr algn="l" defTabSz="457200" rtl="0" eaLnBrk="1" latinLnBrk="0" hangingPunct="1">
+              <a:spcBef>
+                <a:spcPct val="0"/>
+              </a:spcBef>
+              <a:buNone/>
+              <a:defRPr sz="3600" kern="1200">
+                <a:solidFill>
+                  <a:schemeClr val="accent1"/>
+                </a:solidFill>
+                <a:latin typeface="Roboto Light" panose="02000000000000000000" pitchFamily="2" charset="0"/>
+                <a:ea typeface="Roboto Light" panose="02000000000000000000" pitchFamily="2" charset="0"/>
+                <a:cs typeface="Roboto Light" panose="02000000000000000000" pitchFamily="2" charset="0"/>
+              </a:defRPr>
+            </a:lvl1pPr>
+            <a:lvl2pPr eaLnBrk="1" hangingPunct="1">
+              <a:defRPr>
+                <a:solidFill>
+                  <a:schemeClr val="tx2"/>
+                </a:solidFill>
+              </a:defRPr>
+            </a:lvl2pPr>
+            <a:lvl3pPr eaLnBrk="1" hangingPunct="1">
+              <a:defRPr>
+                <a:solidFill>
+                  <a:schemeClr val="tx2"/>
+                </a:solidFill>
+              </a:defRPr>
+            </a:lvl3pPr>
+            <a:lvl4pPr eaLnBrk="1" hangingPunct="1">
+              <a:defRPr>
+                <a:solidFill>
+                  <a:schemeClr val="tx2"/>
+                </a:solidFill>
+              </a:defRPr>
+            </a:lvl4pPr>
+            <a:lvl5pPr eaLnBrk="1" hangingPunct="1">
+              <a:defRPr>
+                <a:solidFill>
+                  <a:schemeClr val="tx2"/>
+                </a:solidFill>
+              </a:defRPr>
+            </a:lvl5pPr>
+            <a:lvl6pPr eaLnBrk="1" hangingPunct="1">
+              <a:defRPr>
+                <a:solidFill>
+                  <a:schemeClr val="tx2"/>
+                </a:solidFill>
+              </a:defRPr>
+            </a:lvl6pPr>
+            <a:lvl7pPr eaLnBrk="1" hangingPunct="1">
+              <a:defRPr>
+                <a:solidFill>
+                  <a:schemeClr val="tx2"/>
+                </a:solidFill>
+              </a:defRPr>
+            </a:lvl7pPr>
+            <a:lvl8pPr eaLnBrk="1" hangingPunct="1">
+              <a:defRPr>
+                <a:solidFill>
+                  <a:schemeClr val="tx2"/>
+                </a:solidFill>
+              </a:defRPr>
+            </a:lvl8pPr>
+            <a:lvl9pPr eaLnBrk="1" hangingPunct="1">
+              <a:defRPr>
+                <a:solidFill>
+                  <a:schemeClr val="tx2"/>
+                </a:solidFill>
+              </a:defRPr>
+            </a:lvl9pPr>
+          </a:lstStyle>
+          <a:p>
+            <a:r>
+              <a:rPr lang="en-GB"/>
+              <a:t>Some of my tasks as an accidental DBA in year 2000</a:t>
+            </a:r>
+            <a:endParaRPr lang="LID4096" dirty="0"/>
+          </a:p>
+        </p:txBody>
+      </p:sp>
+    </p:spTree>
+    <p:extLst>
+      <p:ext uri="{BB962C8B-B14F-4D97-AF65-F5344CB8AC3E}">
+        <p14:creationId xmlns:p14="http://schemas.microsoft.com/office/powerpoint/2010/main" val="156142928"/>
+      </p:ext>
+    </p:extLst>
+  </p:cSld>
+  <p:clrMapOvr>
+    <a:masterClrMapping/>
+  </p:clrMapOvr>
+</p:sld>
+</file>
+
+<file path=ppt/slides/slide5.xml><?xml version="1.0" encoding="utf-8"?>
+<p:sld xmlns:a="http://schemas.openxmlformats.org/drawingml/2006/main" xmlns:r="http://schemas.openxmlformats.org/officeDocument/2006/relationships" xmlns:p="http://schemas.openxmlformats.org/presentationml/2006/main">
+  <p:cSld>
+    <p:spTree>
+      <p:nvGrpSpPr>
+        <p:cNvPr id="1" name=""/>
+        <p:cNvGrpSpPr/>
+        <p:nvPr/>
+      </p:nvGrpSpPr>
+      <p:grpSpPr>
+        <a:xfrm>
+          <a:off x="0" y="0"/>
+          <a:ext cx="0" cy="0"/>
+          <a:chOff x="0" y="0"/>
+          <a:chExt cx="0" cy="0"/>
+        </a:xfrm>
+      </p:grpSpPr>
+      <p:sp>
+        <p:nvSpPr>
+          <p:cNvPr id="4" name="Title 5">
+            <a:extLst>
+              <a:ext uri="{FF2B5EF4-FFF2-40B4-BE49-F238E27FC236}">
+                <a16:creationId xmlns:a16="http://schemas.microsoft.com/office/drawing/2014/main" id="{52AA752C-959C-DEB5-1C24-91762CC304E8}"/>
+              </a:ext>
+            </a:extLst>
+          </p:cNvPr>
+          <p:cNvSpPr txBox="1">
+            <a:spLocks/>
+          </p:cNvSpPr>
+          <p:nvPr/>
+        </p:nvSpPr>
+        <p:spPr>
+          <a:xfrm>
+            <a:off x="1878676" y="1947670"/>
+            <a:ext cx="8138160" cy="2758258"/>
+          </a:xfrm>
+          <a:prstGeom prst="rect">
+            <a:avLst/>
+          </a:prstGeom>
+        </p:spPr>
+        <p:txBody>
+          <a:bodyPr>
+            <a:normAutofit/>
+          </a:bodyPr>
+          <a:lstStyle>
+            <a:lvl1pPr algn="l" defTabSz="457200" rtl="0" eaLnBrk="1" latinLnBrk="0" hangingPunct="1">
+              <a:spcBef>
+                <a:spcPct val="0"/>
+              </a:spcBef>
+              <a:buNone/>
+              <a:defRPr sz="3600" kern="1200">
+                <a:solidFill>
+                  <a:schemeClr val="accent1"/>
+                </a:solidFill>
+                <a:latin typeface="Roboto Light" panose="02000000000000000000" pitchFamily="2" charset="0"/>
+                <a:ea typeface="Roboto Light" panose="02000000000000000000" pitchFamily="2" charset="0"/>
+                <a:cs typeface="Roboto Light" panose="02000000000000000000" pitchFamily="2" charset="0"/>
+              </a:defRPr>
+            </a:lvl1pPr>
+            <a:lvl2pPr eaLnBrk="1" hangingPunct="1">
+              <a:defRPr>
+                <a:solidFill>
+                  <a:schemeClr val="tx2"/>
+                </a:solidFill>
+              </a:defRPr>
+            </a:lvl2pPr>
+            <a:lvl3pPr eaLnBrk="1" hangingPunct="1">
+              <a:defRPr>
+                <a:solidFill>
+                  <a:schemeClr val="tx2"/>
+                </a:solidFill>
+              </a:defRPr>
+            </a:lvl3pPr>
+            <a:lvl4pPr eaLnBrk="1" hangingPunct="1">
+              <a:defRPr>
+                <a:solidFill>
+                  <a:schemeClr val="tx2"/>
+                </a:solidFill>
+              </a:defRPr>
+            </a:lvl4pPr>
+            <a:lvl5pPr eaLnBrk="1" hangingPunct="1">
+              <a:defRPr>
+                <a:solidFill>
+                  <a:schemeClr val="tx2"/>
+                </a:solidFill>
+              </a:defRPr>
+            </a:lvl5pPr>
+            <a:lvl6pPr eaLnBrk="1" hangingPunct="1">
+              <a:defRPr>
+                <a:solidFill>
+                  <a:schemeClr val="tx2"/>
+                </a:solidFill>
+              </a:defRPr>
+            </a:lvl6pPr>
+            <a:lvl7pPr eaLnBrk="1" hangingPunct="1">
+              <a:defRPr>
+                <a:solidFill>
+                  <a:schemeClr val="tx2"/>
+                </a:solidFill>
+              </a:defRPr>
+            </a:lvl7pPr>
+            <a:lvl8pPr eaLnBrk="1" hangingPunct="1">
+              <a:defRPr>
+                <a:solidFill>
+                  <a:schemeClr val="tx2"/>
+                </a:solidFill>
+              </a:defRPr>
+            </a:lvl8pPr>
+            <a:lvl9pPr eaLnBrk="1" hangingPunct="1">
+              <a:defRPr>
+                <a:solidFill>
+                  <a:schemeClr val="tx2"/>
+                </a:solidFill>
+              </a:defRPr>
+            </a:lvl9pPr>
+          </a:lstStyle>
+          <a:p>
+            <a:r>
+              <a:rPr lang="en-GB" sz="7200"/>
+              <a:t>Since then, a thing or two changed</a:t>
+            </a:r>
+            <a:endParaRPr lang="LID4096" sz="7200" dirty="0"/>
+          </a:p>
+        </p:txBody>
+      </p:sp>
+    </p:spTree>
+    <p:extLst>
+      <p:ext uri="{BB962C8B-B14F-4D97-AF65-F5344CB8AC3E}">
+        <p14:creationId xmlns:p14="http://schemas.microsoft.com/office/powerpoint/2010/main" val="1698563420"/>
+      </p:ext>
+    </p:extLst>
+  </p:cSld>
+  <p:clrMapOvr>
+    <a:masterClrMapping/>
+  </p:clrMapOvr>
+</p:sld>
+</file>
+
+<file path=ppt/slides/slide6.xml><?xml version="1.0" encoding="utf-8"?>
 <p:sld xmlns:a="http://schemas.openxmlformats.org/drawingml/2006/main" xmlns:r="http://schemas.openxmlformats.org/officeDocument/2006/relationships" xmlns:p="http://schemas.openxmlformats.org/presentationml/2006/main">
   <p:cSld>
     <p:spTree>
@@ -5715,6 +6788,453 @@
     <p:extLst>
       <p:ext uri="{BB962C8B-B14F-4D97-AF65-F5344CB8AC3E}">
         <p14:creationId xmlns:p14="http://schemas.microsoft.com/office/powerpoint/2010/main" val="2250435017"/>
+      </p:ext>
+    </p:extLst>
+  </p:cSld>
+  <p:clrMapOvr>
+    <a:masterClrMapping/>
+  </p:clrMapOvr>
+</p:sld>
+</file>
+
+<file path=ppt/slides/slide7.xml><?xml version="1.0" encoding="utf-8"?>
+<p:sld xmlns:a="http://schemas.openxmlformats.org/drawingml/2006/main" xmlns:r="http://schemas.openxmlformats.org/officeDocument/2006/relationships" xmlns:p="http://schemas.openxmlformats.org/presentationml/2006/main">
+  <p:cSld>
+    <p:spTree>
+      <p:nvGrpSpPr>
+        <p:cNvPr id="1" name=""/>
+        <p:cNvGrpSpPr/>
+        <p:nvPr/>
+      </p:nvGrpSpPr>
+      <p:grpSpPr>
+        <a:xfrm>
+          <a:off x="0" y="0"/>
+          <a:ext cx="0" cy="0"/>
+          <a:chOff x="0" y="0"/>
+          <a:chExt cx="0" cy="0"/>
+        </a:xfrm>
+      </p:grpSpPr>
+      <p:sp>
+        <p:nvSpPr>
+          <p:cNvPr id="4" name="Title 1">
+            <a:extLst>
+              <a:ext uri="{FF2B5EF4-FFF2-40B4-BE49-F238E27FC236}">
+                <a16:creationId xmlns:a16="http://schemas.microsoft.com/office/drawing/2014/main" id="{98C081A7-1E47-0CC0-5727-E4FD832E57C0}"/>
+              </a:ext>
+            </a:extLst>
+          </p:cNvPr>
+          <p:cNvSpPr txBox="1">
+            <a:spLocks/>
+          </p:cNvSpPr>
+          <p:nvPr/>
+        </p:nvSpPr>
+        <p:spPr>
+          <a:xfrm>
+            <a:off x="424543" y="439583"/>
+            <a:ext cx="9753600" cy="4965699"/>
+          </a:xfrm>
+          <a:prstGeom prst="rect">
+            <a:avLst/>
+          </a:prstGeom>
+        </p:spPr>
+        <p:txBody>
+          <a:bodyPr vert="horz" lIns="91440" tIns="45720" rIns="91440" bIns="45720" rtlCol="0" anchor="t">
+            <a:normAutofit/>
+          </a:bodyPr>
+          <a:lstStyle>
+            <a:lvl1pPr algn="l" defTabSz="457200" rtl="0" eaLnBrk="1" latinLnBrk="0" hangingPunct="1">
+              <a:spcBef>
+                <a:spcPct val="0"/>
+              </a:spcBef>
+              <a:buNone/>
+              <a:defRPr sz="3600" kern="1200">
+                <a:solidFill>
+                  <a:schemeClr val="accent1"/>
+                </a:solidFill>
+                <a:latin typeface="Roboto Light" panose="02000000000000000000" pitchFamily="2" charset="0"/>
+                <a:ea typeface="Roboto Light" panose="02000000000000000000" pitchFamily="2" charset="0"/>
+                <a:cs typeface="Roboto Light" panose="02000000000000000000" pitchFamily="2" charset="0"/>
+              </a:defRPr>
+            </a:lvl1pPr>
+            <a:lvl2pPr eaLnBrk="1" hangingPunct="1">
+              <a:defRPr>
+                <a:solidFill>
+                  <a:schemeClr val="tx2"/>
+                </a:solidFill>
+              </a:defRPr>
+            </a:lvl2pPr>
+            <a:lvl3pPr eaLnBrk="1" hangingPunct="1">
+              <a:defRPr>
+                <a:solidFill>
+                  <a:schemeClr val="tx2"/>
+                </a:solidFill>
+              </a:defRPr>
+            </a:lvl3pPr>
+            <a:lvl4pPr eaLnBrk="1" hangingPunct="1">
+              <a:defRPr>
+                <a:solidFill>
+                  <a:schemeClr val="tx2"/>
+                </a:solidFill>
+              </a:defRPr>
+            </a:lvl4pPr>
+            <a:lvl5pPr eaLnBrk="1" hangingPunct="1">
+              <a:defRPr>
+                <a:solidFill>
+                  <a:schemeClr val="tx2"/>
+                </a:solidFill>
+              </a:defRPr>
+            </a:lvl5pPr>
+            <a:lvl6pPr eaLnBrk="1" hangingPunct="1">
+              <a:defRPr>
+                <a:solidFill>
+                  <a:schemeClr val="tx2"/>
+                </a:solidFill>
+              </a:defRPr>
+            </a:lvl6pPr>
+            <a:lvl7pPr eaLnBrk="1" hangingPunct="1">
+              <a:defRPr>
+                <a:solidFill>
+                  <a:schemeClr val="tx2"/>
+                </a:solidFill>
+              </a:defRPr>
+            </a:lvl7pPr>
+            <a:lvl8pPr eaLnBrk="1" hangingPunct="1">
+              <a:defRPr>
+                <a:solidFill>
+                  <a:schemeClr val="tx2"/>
+                </a:solidFill>
+              </a:defRPr>
+            </a:lvl8pPr>
+            <a:lvl9pPr eaLnBrk="1" hangingPunct="1">
+              <a:defRPr>
+                <a:solidFill>
+                  <a:schemeClr val="tx2"/>
+                </a:solidFill>
+              </a:defRPr>
+            </a:lvl9pPr>
+          </a:lstStyle>
+          <a:p>
+            <a:pPr algn="ctr"/>
+            <a:br>
+              <a:rPr lang="en-GB" sz="7200"/>
+            </a:br>
+            <a:r>
+              <a:rPr lang="en-GB" sz="7200"/>
+              <a:t>Revolution 1</a:t>
+            </a:r>
+            <a:br>
+              <a:rPr lang="en-GB" sz="7200"/>
+            </a:br>
+            <a:r>
+              <a:rPr lang="en-GB" sz="7200"/>
+              <a:t>Storage Area Network</a:t>
+            </a:r>
+            <a:endParaRPr lang="LID4096" sz="7200" dirty="0"/>
+          </a:p>
+        </p:txBody>
+      </p:sp>
+    </p:spTree>
+    <p:extLst>
+      <p:ext uri="{BB962C8B-B14F-4D97-AF65-F5344CB8AC3E}">
+        <p14:creationId xmlns:p14="http://schemas.microsoft.com/office/powerpoint/2010/main" val="2287860399"/>
+      </p:ext>
+    </p:extLst>
+  </p:cSld>
+  <p:clrMapOvr>
+    <a:masterClrMapping/>
+  </p:clrMapOvr>
+</p:sld>
+</file>
+
+<file path=ppt/slides/slide8.xml><?xml version="1.0" encoding="utf-8"?>
+<p:sld xmlns:a="http://schemas.openxmlformats.org/drawingml/2006/main" xmlns:r="http://schemas.openxmlformats.org/officeDocument/2006/relationships" xmlns:p="http://schemas.openxmlformats.org/presentationml/2006/main">
+  <p:cSld>
+    <p:spTree>
+      <p:nvGrpSpPr>
+        <p:cNvPr id="1" name=""/>
+        <p:cNvGrpSpPr/>
+        <p:nvPr/>
+      </p:nvGrpSpPr>
+      <p:grpSpPr>
+        <a:xfrm>
+          <a:off x="0" y="0"/>
+          <a:ext cx="0" cy="0"/>
+          <a:chOff x="0" y="0"/>
+          <a:chExt cx="0" cy="0"/>
+        </a:xfrm>
+      </p:grpSpPr>
+      <p:sp>
+        <p:nvSpPr>
+          <p:cNvPr id="4" name="Title 1">
+            <a:extLst>
+              <a:ext uri="{FF2B5EF4-FFF2-40B4-BE49-F238E27FC236}">
+                <a16:creationId xmlns:a16="http://schemas.microsoft.com/office/drawing/2014/main" id="{67D1DB08-971F-83BD-3340-C12CA7D1D973}"/>
+              </a:ext>
+            </a:extLst>
+          </p:cNvPr>
+          <p:cNvSpPr txBox="1">
+            <a:spLocks/>
+          </p:cNvSpPr>
+          <p:nvPr/>
+        </p:nvSpPr>
+        <p:spPr>
+          <a:xfrm>
+            <a:off x="424543" y="439583"/>
+            <a:ext cx="9753600" cy="4965699"/>
+          </a:xfrm>
+          <a:prstGeom prst="rect">
+            <a:avLst/>
+          </a:prstGeom>
+        </p:spPr>
+        <p:txBody>
+          <a:bodyPr vert="horz" lIns="91440" tIns="45720" rIns="91440" bIns="45720" rtlCol="0" anchor="t">
+            <a:normAutofit/>
+          </a:bodyPr>
+          <a:lstStyle>
+            <a:lvl1pPr algn="l" defTabSz="457200" rtl="0" eaLnBrk="1" latinLnBrk="0" hangingPunct="1">
+              <a:spcBef>
+                <a:spcPct val="0"/>
+              </a:spcBef>
+              <a:buNone/>
+              <a:defRPr sz="3600" kern="1200">
+                <a:solidFill>
+                  <a:schemeClr val="accent1"/>
+                </a:solidFill>
+                <a:latin typeface="Roboto Light" panose="02000000000000000000" pitchFamily="2" charset="0"/>
+                <a:ea typeface="Roboto Light" panose="02000000000000000000" pitchFamily="2" charset="0"/>
+                <a:cs typeface="Roboto Light" panose="02000000000000000000" pitchFamily="2" charset="0"/>
+              </a:defRPr>
+            </a:lvl1pPr>
+            <a:lvl2pPr eaLnBrk="1" hangingPunct="1">
+              <a:defRPr>
+                <a:solidFill>
+                  <a:schemeClr val="tx2"/>
+                </a:solidFill>
+              </a:defRPr>
+            </a:lvl2pPr>
+            <a:lvl3pPr eaLnBrk="1" hangingPunct="1">
+              <a:defRPr>
+                <a:solidFill>
+                  <a:schemeClr val="tx2"/>
+                </a:solidFill>
+              </a:defRPr>
+            </a:lvl3pPr>
+            <a:lvl4pPr eaLnBrk="1" hangingPunct="1">
+              <a:defRPr>
+                <a:solidFill>
+                  <a:schemeClr val="tx2"/>
+                </a:solidFill>
+              </a:defRPr>
+            </a:lvl4pPr>
+            <a:lvl5pPr eaLnBrk="1" hangingPunct="1">
+              <a:defRPr>
+                <a:solidFill>
+                  <a:schemeClr val="tx2"/>
+                </a:solidFill>
+              </a:defRPr>
+            </a:lvl5pPr>
+            <a:lvl6pPr eaLnBrk="1" hangingPunct="1">
+              <a:defRPr>
+                <a:solidFill>
+                  <a:schemeClr val="tx2"/>
+                </a:solidFill>
+              </a:defRPr>
+            </a:lvl6pPr>
+            <a:lvl7pPr eaLnBrk="1" hangingPunct="1">
+              <a:defRPr>
+                <a:solidFill>
+                  <a:schemeClr val="tx2"/>
+                </a:solidFill>
+              </a:defRPr>
+            </a:lvl7pPr>
+            <a:lvl8pPr eaLnBrk="1" hangingPunct="1">
+              <a:defRPr>
+                <a:solidFill>
+                  <a:schemeClr val="tx2"/>
+                </a:solidFill>
+              </a:defRPr>
+            </a:lvl8pPr>
+            <a:lvl9pPr eaLnBrk="1" hangingPunct="1">
+              <a:defRPr>
+                <a:solidFill>
+                  <a:schemeClr val="tx2"/>
+                </a:solidFill>
+              </a:defRPr>
+            </a:lvl9pPr>
+          </a:lstStyle>
+          <a:p>
+            <a:pPr algn="ctr"/>
+            <a:br>
+              <a:rPr lang="en-GB" sz="7200"/>
+            </a:br>
+            <a:r>
+              <a:rPr lang="en-GB" sz="7200"/>
+              <a:t>Revolution 2</a:t>
+            </a:r>
+            <a:br>
+              <a:rPr lang="en-GB" sz="7200"/>
+            </a:br>
+            <a:r>
+              <a:rPr lang="en-GB" sz="7200"/>
+              <a:t>Virtualisation</a:t>
+            </a:r>
+            <a:endParaRPr lang="LID4096" sz="7200" dirty="0"/>
+          </a:p>
+        </p:txBody>
+      </p:sp>
+    </p:spTree>
+    <p:extLst>
+      <p:ext uri="{BB962C8B-B14F-4D97-AF65-F5344CB8AC3E}">
+        <p14:creationId xmlns:p14="http://schemas.microsoft.com/office/powerpoint/2010/main" val="3633607526"/>
+      </p:ext>
+    </p:extLst>
+  </p:cSld>
+  <p:clrMapOvr>
+    <a:masterClrMapping/>
+  </p:clrMapOvr>
+</p:sld>
+</file>
+
+<file path=ppt/slides/slide9.xml><?xml version="1.0" encoding="utf-8"?>
+<p:sld xmlns:a="http://schemas.openxmlformats.org/drawingml/2006/main" xmlns:r="http://schemas.openxmlformats.org/officeDocument/2006/relationships" xmlns:p="http://schemas.openxmlformats.org/presentationml/2006/main">
+  <p:cSld>
+    <p:spTree>
+      <p:nvGrpSpPr>
+        <p:cNvPr id="1" name=""/>
+        <p:cNvGrpSpPr/>
+        <p:nvPr/>
+      </p:nvGrpSpPr>
+      <p:grpSpPr>
+        <a:xfrm>
+          <a:off x="0" y="0"/>
+          <a:ext cx="0" cy="0"/>
+          <a:chOff x="0" y="0"/>
+          <a:chExt cx="0" cy="0"/>
+        </a:xfrm>
+      </p:grpSpPr>
+      <p:sp>
+        <p:nvSpPr>
+          <p:cNvPr id="4" name="Title 1">
+            <a:extLst>
+              <a:ext uri="{FF2B5EF4-FFF2-40B4-BE49-F238E27FC236}">
+                <a16:creationId xmlns:a16="http://schemas.microsoft.com/office/drawing/2014/main" id="{EB27D59F-BFF6-CD9A-1869-01D33E4342D3}"/>
+              </a:ext>
+            </a:extLst>
+          </p:cNvPr>
+          <p:cNvSpPr txBox="1">
+            <a:spLocks/>
+          </p:cNvSpPr>
+          <p:nvPr/>
+        </p:nvSpPr>
+        <p:spPr>
+          <a:xfrm>
+            <a:off x="424543" y="439583"/>
+            <a:ext cx="9753600" cy="4965699"/>
+          </a:xfrm>
+          <a:prstGeom prst="rect">
+            <a:avLst/>
+          </a:prstGeom>
+        </p:spPr>
+        <p:txBody>
+          <a:bodyPr vert="horz" lIns="91440" tIns="45720" rIns="91440" bIns="45720" rtlCol="0" anchor="t">
+            <a:normAutofit/>
+          </a:bodyPr>
+          <a:lstStyle>
+            <a:lvl1pPr algn="l" defTabSz="457200" rtl="0" eaLnBrk="1" latinLnBrk="0" hangingPunct="1">
+              <a:spcBef>
+                <a:spcPct val="0"/>
+              </a:spcBef>
+              <a:buNone/>
+              <a:defRPr sz="3600" kern="1200">
+                <a:solidFill>
+                  <a:schemeClr val="accent1"/>
+                </a:solidFill>
+                <a:latin typeface="Roboto Light" panose="02000000000000000000" pitchFamily="2" charset="0"/>
+                <a:ea typeface="Roboto Light" panose="02000000000000000000" pitchFamily="2" charset="0"/>
+                <a:cs typeface="Roboto Light" panose="02000000000000000000" pitchFamily="2" charset="0"/>
+              </a:defRPr>
+            </a:lvl1pPr>
+            <a:lvl2pPr eaLnBrk="1" hangingPunct="1">
+              <a:defRPr>
+                <a:solidFill>
+                  <a:schemeClr val="tx2"/>
+                </a:solidFill>
+              </a:defRPr>
+            </a:lvl2pPr>
+            <a:lvl3pPr eaLnBrk="1" hangingPunct="1">
+              <a:defRPr>
+                <a:solidFill>
+                  <a:schemeClr val="tx2"/>
+                </a:solidFill>
+              </a:defRPr>
+            </a:lvl3pPr>
+            <a:lvl4pPr eaLnBrk="1" hangingPunct="1">
+              <a:defRPr>
+                <a:solidFill>
+                  <a:schemeClr val="tx2"/>
+                </a:solidFill>
+              </a:defRPr>
+            </a:lvl4pPr>
+            <a:lvl5pPr eaLnBrk="1" hangingPunct="1">
+              <a:defRPr>
+                <a:solidFill>
+                  <a:schemeClr val="tx2"/>
+                </a:solidFill>
+              </a:defRPr>
+            </a:lvl5pPr>
+            <a:lvl6pPr eaLnBrk="1" hangingPunct="1">
+              <a:defRPr>
+                <a:solidFill>
+                  <a:schemeClr val="tx2"/>
+                </a:solidFill>
+              </a:defRPr>
+            </a:lvl6pPr>
+            <a:lvl7pPr eaLnBrk="1" hangingPunct="1">
+              <a:defRPr>
+                <a:solidFill>
+                  <a:schemeClr val="tx2"/>
+                </a:solidFill>
+              </a:defRPr>
+            </a:lvl7pPr>
+            <a:lvl8pPr eaLnBrk="1" hangingPunct="1">
+              <a:defRPr>
+                <a:solidFill>
+                  <a:schemeClr val="tx2"/>
+                </a:solidFill>
+              </a:defRPr>
+            </a:lvl8pPr>
+            <a:lvl9pPr eaLnBrk="1" hangingPunct="1">
+              <a:defRPr>
+                <a:solidFill>
+                  <a:schemeClr val="tx2"/>
+                </a:solidFill>
+              </a:defRPr>
+            </a:lvl9pPr>
+          </a:lstStyle>
+          <a:p>
+            <a:pPr algn="ctr"/>
+            <a:br>
+              <a:rPr lang="en-GB" sz="7200"/>
+            </a:br>
+            <a:r>
+              <a:rPr lang="en-GB" sz="7200"/>
+              <a:t>Revolution 3</a:t>
+            </a:r>
+            <a:br>
+              <a:rPr lang="en-GB" sz="7200"/>
+            </a:br>
+            <a:r>
+              <a:rPr lang="en-GB" sz="7200"/>
+              <a:t>Containers</a:t>
+            </a:r>
+            <a:endParaRPr lang="LID4096" sz="7200" dirty="0"/>
+          </a:p>
+        </p:txBody>
+      </p:sp>
+    </p:spTree>
+    <p:extLst>
+      <p:ext uri="{BB962C8B-B14F-4D97-AF65-F5344CB8AC3E}">
+        <p14:creationId xmlns:p14="http://schemas.microsoft.com/office/powerpoint/2010/main" val="2422469933"/>
       </p:ext>
     </p:extLst>
   </p:cSld>

--- a/sql-in-azure-containers/presentation/sql-in-azure-containers.pptx
+++ b/sql-in-azure-containers/presentation/sql-in-azure-containers.pptx
@@ -210,7 +210,7 @@
           <a:p>
             <a:fld id="{896D3B2D-3924-0B48-B558-93C031AA9A06}" type="datetimeFigureOut">
               <a:rPr lang="en-US" smtClean="0"/>
-              <a:t>8/26/2023</a:t>
+              <a:t>11/4/2023</a:t>
             </a:fld>
             <a:endParaRPr lang="en-US"/>
           </a:p>
@@ -670,7 +670,7 @@
             <a:fld id="{B61BEF0D-F0BB-DE4B-95CE-6DB70DBA9567}" type="datetimeFigureOut">
               <a:rPr lang="en-US"/>
               <a:pPr/>
-              <a:t>8/26/2023</a:t>
+              <a:t>11/4/2023</a:t>
             </a:fld>
             <a:endParaRPr lang="en-US"/>
           </a:p>
@@ -954,7 +954,7 @@
             <a:fld id="{B61BEF0D-F0BB-DE4B-95CE-6DB70DBA9567}" type="datetimeFigureOut">
               <a:rPr lang="en-US"/>
               <a:pPr/>
-              <a:t>8/26/2023</a:t>
+              <a:t>11/4/2023</a:t>
             </a:fld>
             <a:endParaRPr lang="en-US"/>
           </a:p>
@@ -1265,7 +1265,7 @@
             <a:fld id="{B61BEF0D-F0BB-DE4B-95CE-6DB70DBA9567}" type="datetimeFigureOut">
               <a:rPr lang="en-US"/>
               <a:pPr/>
-              <a:t>8/26/2023</a:t>
+              <a:t>11/4/2023</a:t>
             </a:fld>
             <a:endParaRPr lang="en-US"/>
           </a:p>
@@ -1603,7 +1603,7 @@
             <a:fld id="{B61BEF0D-F0BB-DE4B-95CE-6DB70DBA9567}" type="datetimeFigureOut">
               <a:rPr lang="en-US"/>
               <a:pPr/>
-              <a:t>8/26/2023</a:t>
+              <a:t>11/4/2023</a:t>
             </a:fld>
             <a:endParaRPr lang="en-US"/>
           </a:p>
@@ -1914,7 +1914,7 @@
             <a:fld id="{B61BEF0D-F0BB-DE4B-95CE-6DB70DBA9567}" type="datetimeFigureOut">
               <a:rPr lang="en-US"/>
               <a:pPr/>
-              <a:t>8/26/2023</a:t>
+              <a:t>11/4/2023</a:t>
             </a:fld>
             <a:endParaRPr lang="en-US"/>
           </a:p>
@@ -2304,7 +2304,7 @@
             <a:fld id="{B61BEF0D-F0BB-DE4B-95CE-6DB70DBA9567}" type="datetimeFigureOut">
               <a:rPr lang="en-US"/>
               <a:pPr/>
-              <a:t>8/26/2023</a:t>
+              <a:t>11/4/2023</a:t>
             </a:fld>
             <a:endParaRPr lang="en-US"/>
           </a:p>
@@ -2470,7 +2470,7 @@
           <a:p>
             <a:fld id="{55C6B4A9-1611-4792-9094-5F34BCA07E0B}" type="datetimeFigureOut">
               <a:rPr lang="en-US"/>
-              <a:t>8/26/2023</a:t>
+              <a:t>11/4/2023</a:t>
             </a:fld>
             <a:endParaRPr lang="en-US"/>
           </a:p>
@@ -2646,7 +2646,7 @@
             <a:fld id="{B61BEF0D-F0BB-DE4B-95CE-6DB70DBA9567}" type="datetimeFigureOut">
               <a:rPr lang="en-US"/>
               <a:pPr/>
-              <a:t>8/26/2023</a:t>
+              <a:t>11/4/2023</a:t>
             </a:fld>
             <a:endParaRPr lang="en-US"/>
           </a:p>
@@ -2819,7 +2819,7 @@
             <a:fld id="{B61BEF0D-F0BB-DE4B-95CE-6DB70DBA9567}" type="datetimeFigureOut">
               <a:rPr lang="en-US"/>
               <a:pPr/>
-              <a:t>8/26/2023</a:t>
+              <a:t>11/4/2023</a:t>
             </a:fld>
             <a:endParaRPr lang="en-US"/>
           </a:p>
@@ -3063,7 +3063,7 @@
             <a:fld id="{B61BEF0D-F0BB-DE4B-95CE-6DB70DBA9567}" type="datetimeFigureOut">
               <a:rPr lang="en-US"/>
               <a:pPr/>
-              <a:t>8/26/2023</a:t>
+              <a:t>11/4/2023</a:t>
             </a:fld>
             <a:endParaRPr lang="en-US"/>
           </a:p>
@@ -3291,7 +3291,7 @@
           <a:p>
             <a:fld id="{EB712588-04B1-427B-82EE-E8DB90309F08}" type="datetimeFigureOut">
               <a:rPr lang="en-US"/>
-              <a:t>8/26/2023</a:t>
+              <a:t>11/4/2023</a:t>
             </a:fld>
             <a:endParaRPr lang="en-US"/>
           </a:p>
@@ -3661,7 +3661,7 @@
             <a:fld id="{B61BEF0D-F0BB-DE4B-95CE-6DB70DBA9567}" type="datetimeFigureOut">
               <a:rPr lang="en-US"/>
               <a:pPr/>
-              <a:t>8/26/2023</a:t>
+              <a:t>11/4/2023</a:t>
             </a:fld>
             <a:endParaRPr lang="en-US"/>
           </a:p>
@@ -3781,7 +3781,7 @@
             <a:fld id="{B61BEF0D-F0BB-DE4B-95CE-6DB70DBA9567}" type="datetimeFigureOut">
               <a:rPr lang="en-US"/>
               <a:pPr/>
-              <a:t>8/26/2023</a:t>
+              <a:t>11/4/2023</a:t>
             </a:fld>
             <a:endParaRPr lang="en-US"/>
           </a:p>
@@ -3873,7 +3873,7 @@
             <a:fld id="{B61BEF0D-F0BB-DE4B-95CE-6DB70DBA9567}" type="datetimeFigureOut">
               <a:rPr lang="en-US"/>
               <a:pPr/>
-              <a:t>8/26/2023</a:t>
+              <a:t>11/4/2023</a:t>
             </a:fld>
             <a:endParaRPr lang="en-US"/>
           </a:p>
@@ -4124,7 +4124,7 @@
           <a:p>
             <a:fld id="{42A54C80-263E-416B-A8E0-580EDEADCBDC}" type="datetimeFigureOut">
               <a:rPr lang="en-US"/>
-              <a:t>8/26/2023</a:t>
+              <a:t>11/4/2023</a:t>
             </a:fld>
             <a:endParaRPr lang="en-US"/>
           </a:p>
@@ -4383,7 +4383,7 @@
             <a:fld id="{B61BEF0D-F0BB-DE4B-95CE-6DB70DBA9567}" type="datetimeFigureOut">
               <a:rPr lang="en-US"/>
               <a:pPr/>
-              <a:t>8/26/2023</a:t>
+              <a:t>11/4/2023</a:t>
             </a:fld>
             <a:endParaRPr lang="en-US"/>
           </a:p>
@@ -4608,7 +4608,7 @@
             <a:fld id="{B61BEF0D-F0BB-DE4B-95CE-6DB70DBA9567}" type="datetimeFigureOut">
               <a:rPr lang="en-US"/>
               <a:pPr/>
-              <a:t>8/26/2023</a:t>
+              <a:t>11/4/2023</a:t>
             </a:fld>
             <a:endParaRPr lang="en-US"/>
           </a:p>
@@ -6680,7 +6680,7 @@
             <a:pPr algn="l"/>
             <a:r>
               <a:rPr lang="en-US" dirty="0"/>
-              <a:t>Twitter: @transmokopter</a:t>
+              <a:t>BlueSky: @transmokopter (ask me for invites later)</a:t>
             </a:r>
           </a:p>
           <a:p>
@@ -6702,12 +6702,8 @@
           <a:p>
             <a:pPr algn="l"/>
             <a:r>
-              <a:rPr lang="en-US" dirty="0" err="1"/>
-              <a:t>Blogg</a:t>
-            </a:r>
-            <a:r>
               <a:rPr lang="en-US" dirty="0"/>
-              <a:t>: </a:t>
+              <a:t>Blog: </a:t>
             </a:r>
             <a:r>
               <a:rPr lang="en-US" dirty="0">
@@ -6734,18 +6730,28 @@
           <a:p>
             <a:pPr algn="l"/>
             <a:r>
-              <a:rPr lang="en-US" dirty="0" err="1"/>
-              <a:t>Transmokopter</a:t>
-            </a:r>
-            <a:r>
               <a:rPr lang="en-US" dirty="0"/>
-              <a:t>: </a:t>
+              <a:t>Business website: </a:t>
             </a:r>
             <a:r>
               <a:rPr lang="en-US" dirty="0">
                 <a:hlinkClick r:id="rId4"/>
               </a:rPr>
               <a:t>www.transmokopter.se</a:t>
+            </a:r>
+            <a:endParaRPr lang="en-US" dirty="0"/>
+          </a:p>
+          <a:p>
+            <a:pPr algn="l"/>
+            <a:r>
+              <a:rPr lang="en-US" dirty="0"/>
+              <a:t>YouTube: </a:t>
+            </a:r>
+            <a:r>
+              <a:rPr lang="en-US" dirty="0">
+                <a:hlinkClick r:id="rId5"/>
+              </a:rPr>
+              <a:t>www.youtube.com/c/transmokopter</a:t>
             </a:r>
             <a:endParaRPr lang="en-US" dirty="0"/>
           </a:p>
@@ -6770,7 +6776,7 @@
           <p:nvPr/>
         </p:nvPicPr>
         <p:blipFill rotWithShape="1">
-          <a:blip r:embed="rId5"/>
+          <a:blip r:embed="rId6"/>
           <a:srcRect l="40596"/>
           <a:stretch/>
         </p:blipFill>
@@ -7763,9 +7769,12 @@
 </file>
 
 <file path=customXml/item1.xml><?xml version="1.0" encoding="utf-8"?>
-<p:properties xmlns:p="http://schemas.microsoft.com/office/2006/metadata/properties" xmlns:xsi="http://www.w3.org/2001/XMLSchema-instance" xmlns:pc="http://schemas.microsoft.com/office/infopath/2007/PartnerControls">
-  <documentManagement/>
-</p:properties>
+<?mso-contentType ?>
+<FormTemplates xmlns="http://schemas.microsoft.com/sharepoint/v3/contenttype/forms">
+  <Display>DocumentLibraryForm</Display>
+  <Edit>DocumentLibraryForm</Edit>
+  <New>DocumentLibraryForm</New>
+</FormTemplates>
 </file>
 
 <file path=customXml/item2.xml><?xml version="1.0" encoding="utf-8"?>
@@ -7933,19 +7942,15 @@
 </file>
 
 <file path=customXml/item3.xml><?xml version="1.0" encoding="utf-8"?>
-<?mso-contentType ?>
-<FormTemplates xmlns="http://schemas.microsoft.com/sharepoint/v3/contenttype/forms">
-  <Display>DocumentLibraryForm</Display>
-  <Edit>DocumentLibraryForm</Edit>
-  <New>DocumentLibraryForm</New>
-</FormTemplates>
+<p:properties xmlns:p="http://schemas.microsoft.com/office/2006/metadata/properties" xmlns:xsi="http://www.w3.org/2001/XMLSchema-instance" xmlns:pc="http://schemas.microsoft.com/office/infopath/2007/PartnerControls">
+  <documentManagement/>
+</p:properties>
 </file>
 
 <file path=customXml/itemProps1.xml><?xml version="1.0" encoding="utf-8"?>
-<ds:datastoreItem xmlns:ds="http://schemas.openxmlformats.org/officeDocument/2006/customXml" ds:itemID="{A5AA9653-386D-4377-A986-DC4A02C60CD5}">
+<ds:datastoreItem xmlns:ds="http://schemas.openxmlformats.org/officeDocument/2006/customXml" ds:itemID="{C542A527-91EE-49D6-AF42-393E29B98637}">
   <ds:schemaRefs>
-    <ds:schemaRef ds:uri="http://schemas.microsoft.com/office/2006/metadata/properties"/>
-    <ds:schemaRef ds:uri="http://schemas.microsoft.com/office/infopath/2007/PartnerControls"/>
+    <ds:schemaRef ds:uri="http://schemas.microsoft.com/sharepoint/v3/contenttype/forms"/>
   </ds:schemaRefs>
 </ds:datastoreItem>
 </file>
@@ -7969,9 +7974,10 @@
 </file>
 
 <file path=customXml/itemProps3.xml><?xml version="1.0" encoding="utf-8"?>
-<ds:datastoreItem xmlns:ds="http://schemas.openxmlformats.org/officeDocument/2006/customXml" ds:itemID="{C542A527-91EE-49D6-AF42-393E29B98637}">
+<ds:datastoreItem xmlns:ds="http://schemas.openxmlformats.org/officeDocument/2006/customXml" ds:itemID="{A5AA9653-386D-4377-A986-DC4A02C60CD5}">
   <ds:schemaRefs>
-    <ds:schemaRef ds:uri="http://schemas.microsoft.com/sharepoint/v3/contenttype/forms"/>
+    <ds:schemaRef ds:uri="http://schemas.microsoft.com/office/2006/metadata/properties"/>
+    <ds:schemaRef ds:uri="http://schemas.microsoft.com/office/infopath/2007/PartnerControls"/>
   </ds:schemaRefs>
 </ds:datastoreItem>
 </file>